--- a/ppt/ai-trader.pptx
+++ b/ppt/ai-trader.pptx
@@ -3410,11 +3410,58 @@
           <a:p>
             <a:r>
               <a:rPr lang="en-GB" dirty="0"/>
-              <a:t>Buyes or Sales based on its Justifications and Predictions</a:t>
-            </a:r>
-          </a:p>
-        </p:txBody>
-      </p:sp>
+              <a:t>Buyes or Sells based on Justifications and Predictions</a:t>
+            </a:r>
+          </a:p>
+        </p:txBody>
+      </p:sp>
+      <p:pic>
+        <p:nvPicPr>
+          <p:cNvPr id="1032" name="Picture 8" descr="Cartoon Stock Trading Images - Free ...">
+            <a:extLst>
+              <a:ext uri="{FF2B5EF4-FFF2-40B4-BE49-F238E27FC236}">
+                <a16:creationId xmlns:a16="http://schemas.microsoft.com/office/drawing/2014/main" id="{E1CDFA49-0D0E-29BE-2116-CFB54CE22C01}"/>
+              </a:ext>
+            </a:extLst>
+          </p:cNvPr>
+          <p:cNvPicPr>
+            <a:picLocks noChangeAspect="1" noChangeArrowheads="1"/>
+          </p:cNvPicPr>
+          <p:nvPr/>
+        </p:nvPicPr>
+        <p:blipFill>
+          <a:blip r:embed="rId2">
+            <a:extLst>
+              <a:ext uri="{28A0092B-C50C-407E-A947-70E740481C1C}">
+                <a14:useLocalDpi xmlns:a14="http://schemas.microsoft.com/office/drawing/2010/main" val="0"/>
+              </a:ext>
+            </a:extLst>
+          </a:blip>
+          <a:srcRect/>
+          <a:stretch>
+            <a:fillRect/>
+          </a:stretch>
+        </p:blipFill>
+        <p:spPr bwMode="auto">
+          <a:xfrm>
+            <a:off x="3702358" y="3558051"/>
+            <a:ext cx="2514600" cy="1819275"/>
+          </a:xfrm>
+          <a:prstGeom prst="rect">
+            <a:avLst/>
+          </a:prstGeom>
+          <a:noFill/>
+          <a:extLst>
+            <a:ext uri="{909E8E84-426E-40DD-AFC4-6F175D3DCCD1}">
+              <a14:hiddenFill xmlns:a14="http://schemas.microsoft.com/office/drawing/2010/main">
+                <a:solidFill>
+                  <a:srgbClr val="FFFFFF"/>
+                </a:solidFill>
+              </a14:hiddenFill>
+            </a:ext>
+          </a:extLst>
+        </p:spPr>
+      </p:pic>
     </p:spTree>
     <p:extLst>
       <p:ext uri="{BB962C8B-B14F-4D97-AF65-F5344CB8AC3E}">
@@ -3473,27 +3520,282 @@
           </a:p>
         </p:txBody>
       </p:sp>
-      <p:sp>
-        <p:nvSpPr>
-          <p:cNvPr id="3" name="Inhaltsplatzhalter 2">
-            <a:extLst>
-              <a:ext uri="{FF2B5EF4-FFF2-40B4-BE49-F238E27FC236}">
-                <a16:creationId xmlns:a16="http://schemas.microsoft.com/office/drawing/2014/main" id="{E636171F-677B-1492-C1A6-1DE3D3068366}"/>
-              </a:ext>
-            </a:extLst>
-          </p:cNvPr>
-          <p:cNvSpPr>
-            <a:spLocks noGrp="1"/>
-          </p:cNvSpPr>
-          <p:nvPr>
-            <p:ph idx="1"/>
-          </p:nvPr>
-        </p:nvSpPr>
-        <p:spPr/>
-        <p:txBody>
-          <a:bodyPr/>
-          <a:lstStyle/>
-          <a:p>
+      <p:pic>
+        <p:nvPicPr>
+          <p:cNvPr id="2060" name="Picture 12" descr="Cartoon Stock Images - Free Download on ...">
+            <a:extLst>
+              <a:ext uri="{FF2B5EF4-FFF2-40B4-BE49-F238E27FC236}">
+                <a16:creationId xmlns:a16="http://schemas.microsoft.com/office/drawing/2014/main" id="{A2AD8A7D-1D1C-F7CF-F893-FB458DD067E3}"/>
+              </a:ext>
+            </a:extLst>
+          </p:cNvPr>
+          <p:cNvPicPr>
+            <a:picLocks noChangeAspect="1" noChangeArrowheads="1"/>
+          </p:cNvPicPr>
+          <p:nvPr/>
+        </p:nvPicPr>
+        <p:blipFill>
+          <a:blip r:embed="rId2">
+            <a:extLst>
+              <a:ext uri="{28A0092B-C50C-407E-A947-70E740481C1C}">
+                <a14:useLocalDpi xmlns:a14="http://schemas.microsoft.com/office/drawing/2010/main" val="0"/>
+              </a:ext>
+            </a:extLst>
+          </a:blip>
+          <a:srcRect/>
+          <a:stretch>
+            <a:fillRect/>
+          </a:stretch>
+        </p:blipFill>
+        <p:spPr bwMode="auto">
+          <a:xfrm>
+            <a:off x="4642235" y="2515203"/>
+            <a:ext cx="1895475" cy="2409825"/>
+          </a:xfrm>
+          <a:prstGeom prst="rect">
+            <a:avLst/>
+          </a:prstGeom>
+          <a:noFill/>
+          <a:extLst>
+            <a:ext uri="{909E8E84-426E-40DD-AFC4-6F175D3DCCD1}">
+              <a14:hiddenFill xmlns:a14="http://schemas.microsoft.com/office/drawing/2010/main">
+                <a:solidFill>
+                  <a:srgbClr val="FFFFFF"/>
+                </a:solidFill>
+              </a14:hiddenFill>
+            </a:ext>
+          </a:extLst>
+        </p:spPr>
+      </p:pic>
+      <p:pic>
+        <p:nvPicPr>
+          <p:cNvPr id="2062" name="Picture 14" descr="AI bot Images - Search Images on Everypixel">
+            <a:extLst>
+              <a:ext uri="{FF2B5EF4-FFF2-40B4-BE49-F238E27FC236}">
+                <a16:creationId xmlns:a16="http://schemas.microsoft.com/office/drawing/2014/main" id="{173529D6-5D49-D0E3-0175-BC37521801C4}"/>
+              </a:ext>
+            </a:extLst>
+          </p:cNvPr>
+          <p:cNvPicPr>
+            <a:picLocks noChangeAspect="1" noChangeArrowheads="1"/>
+          </p:cNvPicPr>
+          <p:nvPr/>
+        </p:nvPicPr>
+        <p:blipFill>
+          <a:blip r:embed="rId3">
+            <a:extLst>
+              <a:ext uri="{28A0092B-C50C-407E-A947-70E740481C1C}">
+                <a14:useLocalDpi xmlns:a14="http://schemas.microsoft.com/office/drawing/2010/main" val="0"/>
+              </a:ext>
+            </a:extLst>
+          </a:blip>
+          <a:srcRect/>
+          <a:stretch>
+            <a:fillRect/>
+          </a:stretch>
+        </p:blipFill>
+        <p:spPr bwMode="auto">
+          <a:xfrm>
+            <a:off x="1222806" y="4262911"/>
+            <a:ext cx="1387228" cy="1942119"/>
+          </a:xfrm>
+          <a:prstGeom prst="rect">
+            <a:avLst/>
+          </a:prstGeom>
+          <a:noFill/>
+          <a:extLst>
+            <a:ext uri="{909E8E84-426E-40DD-AFC4-6F175D3DCCD1}">
+              <a14:hiddenFill xmlns:a14="http://schemas.microsoft.com/office/drawing/2010/main">
+                <a:solidFill>
+                  <a:srgbClr val="FFFFFF"/>
+                </a:solidFill>
+              </a14:hiddenFill>
+            </a:ext>
+          </a:extLst>
+        </p:spPr>
+      </p:pic>
+      <p:sp>
+        <p:nvSpPr>
+          <p:cNvPr id="7" name="Ellipse 6">
+            <a:extLst>
+              <a:ext uri="{FF2B5EF4-FFF2-40B4-BE49-F238E27FC236}">
+                <a16:creationId xmlns:a16="http://schemas.microsoft.com/office/drawing/2014/main" id="{CDC2E1FD-DE4D-DCAE-9252-9D3342845886}"/>
+              </a:ext>
+            </a:extLst>
+          </p:cNvPr>
+          <p:cNvSpPr/>
+          <p:nvPr/>
+        </p:nvSpPr>
+        <p:spPr>
+          <a:xfrm>
+            <a:off x="4412202" y="2778711"/>
+            <a:ext cx="2485748" cy="1942119"/>
+          </a:xfrm>
+          <a:prstGeom prst="ellipse">
+            <a:avLst/>
+          </a:prstGeom>
+          <a:noFill/>
+          <a:ln w="76200">
+            <a:solidFill>
+              <a:srgbClr val="FF0000"/>
+            </a:solidFill>
+          </a:ln>
+        </p:spPr>
+        <p:style>
+          <a:lnRef idx="2">
+            <a:schemeClr val="accent1">
+              <a:shade val="15000"/>
+            </a:schemeClr>
+          </a:lnRef>
+          <a:fillRef idx="1">
+            <a:schemeClr val="accent1"/>
+          </a:fillRef>
+          <a:effectRef idx="0">
+            <a:schemeClr val="accent1"/>
+          </a:effectRef>
+          <a:fontRef idx="minor">
+            <a:schemeClr val="lt1"/>
+          </a:fontRef>
+        </p:style>
+        <p:txBody>
+          <a:bodyPr rtlCol="0" anchor="ctr"/>
+          <a:lstStyle/>
+          <a:p>
+            <a:pPr algn="ctr"/>
+            <a:endParaRPr lang="en-GB"/>
+          </a:p>
+        </p:txBody>
+      </p:sp>
+      <p:cxnSp>
+        <p:nvCxnSpPr>
+          <p:cNvPr id="9" name="Gerader Verbinder 8">
+            <a:extLst>
+              <a:ext uri="{FF2B5EF4-FFF2-40B4-BE49-F238E27FC236}">
+                <a16:creationId xmlns:a16="http://schemas.microsoft.com/office/drawing/2014/main" id="{16B42E88-B603-CCDC-B18B-F109B45AD2D4}"/>
+              </a:ext>
+            </a:extLst>
+          </p:cNvPr>
+          <p:cNvCxnSpPr>
+            <a:cxnSpLocks/>
+          </p:cNvCxnSpPr>
+          <p:nvPr/>
+        </p:nvCxnSpPr>
+        <p:spPr>
+          <a:xfrm>
+            <a:off x="4758431" y="3027285"/>
+            <a:ext cx="1784368" cy="1409128"/>
+          </a:xfrm>
+          <a:prstGeom prst="line">
+            <a:avLst/>
+          </a:prstGeom>
+          <a:ln w="76200">
+            <a:solidFill>
+              <a:srgbClr val="FF0000"/>
+            </a:solidFill>
+          </a:ln>
+        </p:spPr>
+        <p:style>
+          <a:lnRef idx="1">
+            <a:schemeClr val="accent1"/>
+          </a:lnRef>
+          <a:fillRef idx="0">
+            <a:schemeClr val="accent1"/>
+          </a:fillRef>
+          <a:effectRef idx="0">
+            <a:schemeClr val="accent1"/>
+          </a:effectRef>
+          <a:fontRef idx="minor">
+            <a:schemeClr val="tx1"/>
+          </a:fontRef>
+        </p:style>
+      </p:cxnSp>
+      <p:sp>
+        <p:nvSpPr>
+          <p:cNvPr id="10" name="Textfeld 9">
+            <a:extLst>
+              <a:ext uri="{FF2B5EF4-FFF2-40B4-BE49-F238E27FC236}">
+                <a16:creationId xmlns:a16="http://schemas.microsoft.com/office/drawing/2014/main" id="{71C184C1-727C-26A7-FABB-AA2AF641C40A}"/>
+              </a:ext>
+            </a:extLst>
+          </p:cNvPr>
+          <p:cNvSpPr txBox="1"/>
+          <p:nvPr/>
+        </p:nvSpPr>
+        <p:spPr>
+          <a:xfrm>
+            <a:off x="1358287" y="6258757"/>
+            <a:ext cx="1029641" cy="369332"/>
+          </a:xfrm>
+          <a:prstGeom prst="rect">
+            <a:avLst/>
+          </a:prstGeom>
+          <a:noFill/>
+        </p:spPr>
+        <p:txBody>
+          <a:bodyPr wrap="none" rtlCol="0">
+            <a:spAutoFit/>
+          </a:bodyPr>
+          <a:lstStyle/>
+          <a:p>
+            <a:r>
+              <a:rPr lang="en-GB" dirty="0"/>
+              <a:t>AI Trader</a:t>
+            </a:r>
+          </a:p>
+        </p:txBody>
+      </p:sp>
+      <p:sp>
+        <p:nvSpPr>
+          <p:cNvPr id="11" name="Denkblase: wolkenförmig 10">
+            <a:extLst>
+              <a:ext uri="{FF2B5EF4-FFF2-40B4-BE49-F238E27FC236}">
+                <a16:creationId xmlns:a16="http://schemas.microsoft.com/office/drawing/2014/main" id="{8879ADD8-2A55-4FC3-26BE-F187DB47853F}"/>
+              </a:ext>
+            </a:extLst>
+          </p:cNvPr>
+          <p:cNvSpPr/>
+          <p:nvPr/>
+        </p:nvSpPr>
+        <p:spPr>
+          <a:xfrm>
+            <a:off x="3339400" y="2026393"/>
+            <a:ext cx="4501143" cy="3211432"/>
+          </a:xfrm>
+          <a:prstGeom prst="cloudCallout">
+            <a:avLst>
+              <a:gd name="adj1" fmla="val -76453"/>
+              <a:gd name="adj2" fmla="val 15781"/>
+            </a:avLst>
+          </a:prstGeom>
+          <a:noFill/>
+          <a:ln w="28575">
+            <a:solidFill>
+              <a:srgbClr val="00B0F0"/>
+            </a:solidFill>
+            <a:prstDash val="solid"/>
+          </a:ln>
+        </p:spPr>
+        <p:style>
+          <a:lnRef idx="2">
+            <a:schemeClr val="accent1">
+              <a:shade val="15000"/>
+            </a:schemeClr>
+          </a:lnRef>
+          <a:fillRef idx="1">
+            <a:schemeClr val="accent1"/>
+          </a:fillRef>
+          <a:effectRef idx="0">
+            <a:schemeClr val="accent1"/>
+          </a:effectRef>
+          <a:fontRef idx="minor">
+            <a:schemeClr val="lt1"/>
+          </a:fontRef>
+        </p:style>
+        <p:txBody>
+          <a:bodyPr rtlCol="0" anchor="ctr"/>
+          <a:lstStyle/>
+          <a:p>
+            <a:pPr algn="ctr"/>
             <a:endParaRPr lang="en-GB"/>
           </a:p>
         </p:txBody>
@@ -3577,7 +3879,62 @@
           <a:bodyPr/>
           <a:lstStyle/>
           <a:p>
+            <a:r>
+              <a:rPr lang="en-GB" dirty="0"/>
+              <a:t>Agents act Autonomously without Human intervention</a:t>
+            </a:r>
+          </a:p>
+          <a:p>
+            <a:r>
+              <a:rPr lang="en-GB" dirty="0"/>
+              <a:t>Agents reason based on the AI Model they were given</a:t>
+            </a:r>
+          </a:p>
+          <a:p>
+            <a:pPr lvl="1"/>
+            <a:r>
+              <a:rPr lang="en-GB" dirty="0"/>
+              <a:t>Knowledge cut-off constraints what they can reason about</a:t>
+            </a:r>
+          </a:p>
+          <a:p>
+            <a:r>
+              <a:rPr lang="en-GB" dirty="0"/>
+              <a:t>Agents are given Tools…</a:t>
+            </a:r>
+          </a:p>
+          <a:p>
+            <a:pPr lvl="1"/>
+            <a:r>
+              <a:rPr lang="en-GB" dirty="0"/>
+              <a:t>Tools: to Fetch real-time data to Augment their </a:t>
+            </a:r>
+            <a:r>
+              <a:rPr lang="en-GB" dirty="0" err="1"/>
+              <a:t>Knowlegde</a:t>
+            </a:r>
             <a:endParaRPr lang="en-GB" dirty="0"/>
+          </a:p>
+          <a:p>
+            <a:pPr lvl="1"/>
+            <a:r>
+              <a:rPr lang="en-GB" dirty="0"/>
+              <a:t>Tools: to Act </a:t>
+            </a:r>
+          </a:p>
+          <a:p>
+            <a:pPr lvl="2"/>
+            <a:r>
+              <a:rPr lang="en-GB" dirty="0"/>
+              <a:t>Send notification</a:t>
+            </a:r>
+          </a:p>
+          <a:p>
+            <a:pPr lvl="2"/>
+            <a:r>
+              <a:rPr lang="en-GB" dirty="0"/>
+              <a:t>Change DB content, add order, add records …</a:t>
+            </a:r>
           </a:p>
         </p:txBody>
       </p:sp>
@@ -3641,29 +3998,1429 @@
       </p:sp>
       <p:sp>
         <p:nvSpPr>
-          <p:cNvPr id="3" name="Inhaltsplatzhalter 2">
-            <a:extLst>
-              <a:ext uri="{FF2B5EF4-FFF2-40B4-BE49-F238E27FC236}">
-                <a16:creationId xmlns:a16="http://schemas.microsoft.com/office/drawing/2014/main" id="{B8B7146D-0983-391D-AA37-F97E905150FA}"/>
-              </a:ext>
-            </a:extLst>
-          </p:cNvPr>
-          <p:cNvSpPr>
-            <a:spLocks noGrp="1"/>
-          </p:cNvSpPr>
-          <p:nvPr>
-            <p:ph idx="1"/>
-          </p:nvPr>
-        </p:nvSpPr>
-        <p:spPr/>
-        <p:txBody>
-          <a:bodyPr/>
-          <a:lstStyle/>
-          <a:p>
-            <a:endParaRPr lang="en-GB"/>
-          </a:p>
-        </p:txBody>
-      </p:sp>
+          <p:cNvPr id="5" name="Rechteck: abgerundete Ecken 4">
+            <a:extLst>
+              <a:ext uri="{FF2B5EF4-FFF2-40B4-BE49-F238E27FC236}">
+                <a16:creationId xmlns:a16="http://schemas.microsoft.com/office/drawing/2014/main" id="{81281BC0-5F31-8F80-254C-C915D32C334A}"/>
+              </a:ext>
+            </a:extLst>
+          </p:cNvPr>
+          <p:cNvSpPr/>
+          <p:nvPr/>
+        </p:nvSpPr>
+        <p:spPr>
+          <a:xfrm>
+            <a:off x="4536489" y="3274750"/>
+            <a:ext cx="1660124" cy="752383"/>
+          </a:xfrm>
+          <a:prstGeom prst="roundRect">
+            <a:avLst/>
+          </a:prstGeom>
+        </p:spPr>
+        <p:style>
+          <a:lnRef idx="2">
+            <a:schemeClr val="accent1">
+              <a:shade val="15000"/>
+            </a:schemeClr>
+          </a:lnRef>
+          <a:fillRef idx="1">
+            <a:schemeClr val="accent1"/>
+          </a:fillRef>
+          <a:effectRef idx="0">
+            <a:schemeClr val="accent1"/>
+          </a:effectRef>
+          <a:fontRef idx="minor">
+            <a:schemeClr val="lt1"/>
+          </a:fontRef>
+        </p:style>
+        <p:txBody>
+          <a:bodyPr rtlCol="0" anchor="ctr"/>
+          <a:lstStyle/>
+          <a:p>
+            <a:pPr algn="ctr"/>
+            <a:r>
+              <a:rPr lang="en-GB" dirty="0"/>
+              <a:t>AI MODEL</a:t>
+            </a:r>
+          </a:p>
+        </p:txBody>
+      </p:sp>
+      <p:sp>
+        <p:nvSpPr>
+          <p:cNvPr id="7" name="Ellipse 6">
+            <a:extLst>
+              <a:ext uri="{FF2B5EF4-FFF2-40B4-BE49-F238E27FC236}">
+                <a16:creationId xmlns:a16="http://schemas.microsoft.com/office/drawing/2014/main" id="{10A644A4-D0A0-3076-8EF6-0E51D5F97118}"/>
+              </a:ext>
+            </a:extLst>
+          </p:cNvPr>
+          <p:cNvSpPr/>
+          <p:nvPr/>
+        </p:nvSpPr>
+        <p:spPr>
+          <a:xfrm>
+            <a:off x="4350058" y="2695481"/>
+            <a:ext cx="2308194" cy="1947539"/>
+          </a:xfrm>
+          <a:prstGeom prst="ellipse">
+            <a:avLst/>
+          </a:prstGeom>
+          <a:noFill/>
+          <a:ln w="38100">
+            <a:solidFill>
+              <a:srgbClr val="00B050"/>
+            </a:solidFill>
+          </a:ln>
+        </p:spPr>
+        <p:style>
+          <a:lnRef idx="2">
+            <a:schemeClr val="accent1">
+              <a:shade val="15000"/>
+            </a:schemeClr>
+          </a:lnRef>
+          <a:fillRef idx="1">
+            <a:schemeClr val="accent1"/>
+          </a:fillRef>
+          <a:effectRef idx="0">
+            <a:schemeClr val="accent1"/>
+          </a:effectRef>
+          <a:fontRef idx="minor">
+            <a:schemeClr val="lt1"/>
+          </a:fontRef>
+        </p:style>
+        <p:txBody>
+          <a:bodyPr rtlCol="0" anchor="ctr"/>
+          <a:lstStyle/>
+          <a:p>
+            <a:pPr algn="ctr"/>
+            <a:endParaRPr lang="en-GB"/>
+          </a:p>
+        </p:txBody>
+      </p:sp>
+      <p:sp>
+        <p:nvSpPr>
+          <p:cNvPr id="9" name="Textfeld 8">
+            <a:extLst>
+              <a:ext uri="{FF2B5EF4-FFF2-40B4-BE49-F238E27FC236}">
+                <a16:creationId xmlns:a16="http://schemas.microsoft.com/office/drawing/2014/main" id="{B4BFD9BF-EF89-23FF-6789-B0C369CEC125}"/>
+              </a:ext>
+            </a:extLst>
+          </p:cNvPr>
+          <p:cNvSpPr txBox="1"/>
+          <p:nvPr/>
+        </p:nvSpPr>
+        <p:spPr>
+          <a:xfrm>
+            <a:off x="5013892" y="4108372"/>
+            <a:ext cx="980525" cy="369332"/>
+          </a:xfrm>
+          <a:prstGeom prst="rect">
+            <a:avLst/>
+          </a:prstGeom>
+          <a:noFill/>
+        </p:spPr>
+        <p:txBody>
+          <a:bodyPr wrap="none" rtlCol="0">
+            <a:spAutoFit/>
+          </a:bodyPr>
+          <a:lstStyle/>
+          <a:p>
+            <a:r>
+              <a:rPr lang="en-GB" dirty="0"/>
+              <a:t>AI Agent</a:t>
+            </a:r>
+          </a:p>
+        </p:txBody>
+      </p:sp>
+      <p:pic>
+        <p:nvPicPr>
+          <p:cNvPr id="11" name="Grafik 10">
+            <a:extLst>
+              <a:ext uri="{FF2B5EF4-FFF2-40B4-BE49-F238E27FC236}">
+                <a16:creationId xmlns:a16="http://schemas.microsoft.com/office/drawing/2014/main" id="{DCCD0ECC-0913-59AE-1251-842090326628}"/>
+              </a:ext>
+            </a:extLst>
+          </p:cNvPr>
+          <p:cNvPicPr>
+            <a:picLocks noChangeAspect="1"/>
+          </p:cNvPicPr>
+          <p:nvPr/>
+        </p:nvPicPr>
+        <p:blipFill>
+          <a:blip r:embed="rId2"/>
+          <a:stretch>
+            <a:fillRect/>
+          </a:stretch>
+        </p:blipFill>
+        <p:spPr>
+          <a:xfrm>
+            <a:off x="1059521" y="1921507"/>
+            <a:ext cx="2456037" cy="1173469"/>
+          </a:xfrm>
+          <a:prstGeom prst="rect">
+            <a:avLst/>
+          </a:prstGeom>
+        </p:spPr>
+      </p:pic>
+      <p:sp>
+        <p:nvSpPr>
+          <p:cNvPr id="14" name="Textfeld 13">
+            <a:extLst>
+              <a:ext uri="{FF2B5EF4-FFF2-40B4-BE49-F238E27FC236}">
+                <a16:creationId xmlns:a16="http://schemas.microsoft.com/office/drawing/2014/main" id="{2E87FCA1-4DD2-1654-DAA4-094D9FD964FE}"/>
+              </a:ext>
+            </a:extLst>
+          </p:cNvPr>
+          <p:cNvSpPr txBox="1"/>
+          <p:nvPr/>
+        </p:nvSpPr>
+        <p:spPr>
+          <a:xfrm>
+            <a:off x="1187887" y="1598187"/>
+            <a:ext cx="2274405" cy="276999"/>
+          </a:xfrm>
+          <a:prstGeom prst="rect">
+            <a:avLst/>
+          </a:prstGeom>
+          <a:noFill/>
+        </p:spPr>
+        <p:txBody>
+          <a:bodyPr wrap="none" rtlCol="0">
+            <a:spAutoFit/>
+          </a:bodyPr>
+          <a:lstStyle/>
+          <a:p>
+            <a:r>
+              <a:rPr lang="en-GB" sz="1200" b="1" dirty="0"/>
+              <a:t>Twelvedata.com Financial Assets</a:t>
+            </a:r>
+          </a:p>
+        </p:txBody>
+      </p:sp>
+      <p:pic>
+        <p:nvPicPr>
+          <p:cNvPr id="3074" name="Picture 2" descr="Database - Free technology icons">
+            <a:extLst>
+              <a:ext uri="{FF2B5EF4-FFF2-40B4-BE49-F238E27FC236}">
+                <a16:creationId xmlns:a16="http://schemas.microsoft.com/office/drawing/2014/main" id="{06BB28A9-ACEE-B7E5-2823-7A19F71E8D68}"/>
+              </a:ext>
+            </a:extLst>
+          </p:cNvPr>
+          <p:cNvPicPr>
+            <a:picLocks noChangeAspect="1" noChangeArrowheads="1"/>
+          </p:cNvPicPr>
+          <p:nvPr/>
+        </p:nvPicPr>
+        <p:blipFill>
+          <a:blip r:embed="rId3">
+            <a:extLst>
+              <a:ext uri="{28A0092B-C50C-407E-A947-70E740481C1C}">
+                <a14:useLocalDpi xmlns:a14="http://schemas.microsoft.com/office/drawing/2010/main" val="0"/>
+              </a:ext>
+            </a:extLst>
+          </a:blip>
+          <a:srcRect/>
+          <a:stretch>
+            <a:fillRect/>
+          </a:stretch>
+        </p:blipFill>
+        <p:spPr bwMode="auto">
+          <a:xfrm>
+            <a:off x="4833150" y="5016388"/>
+            <a:ext cx="1262850" cy="1262850"/>
+          </a:xfrm>
+          <a:prstGeom prst="rect">
+            <a:avLst/>
+          </a:prstGeom>
+          <a:noFill/>
+          <a:extLst>
+            <a:ext uri="{909E8E84-426E-40DD-AFC4-6F175D3DCCD1}">
+              <a14:hiddenFill xmlns:a14="http://schemas.microsoft.com/office/drawing/2010/main">
+                <a:solidFill>
+                  <a:srgbClr val="FFFFFF"/>
+                </a:solidFill>
+              </a14:hiddenFill>
+            </a:ext>
+          </a:extLst>
+        </p:spPr>
+      </p:pic>
+      <p:sp>
+        <p:nvSpPr>
+          <p:cNvPr id="15" name="Textfeld 14">
+            <a:extLst>
+              <a:ext uri="{FF2B5EF4-FFF2-40B4-BE49-F238E27FC236}">
+                <a16:creationId xmlns:a16="http://schemas.microsoft.com/office/drawing/2014/main" id="{85BDA147-3280-1A05-C12D-33577435E163}"/>
+              </a:ext>
+            </a:extLst>
+          </p:cNvPr>
+          <p:cNvSpPr txBox="1"/>
+          <p:nvPr/>
+        </p:nvSpPr>
+        <p:spPr>
+          <a:xfrm>
+            <a:off x="4632578" y="6354375"/>
+            <a:ext cx="1609993" cy="276999"/>
+          </a:xfrm>
+          <a:prstGeom prst="rect">
+            <a:avLst/>
+          </a:prstGeom>
+          <a:noFill/>
+        </p:spPr>
+        <p:txBody>
+          <a:bodyPr wrap="none" rtlCol="0">
+            <a:spAutoFit/>
+          </a:bodyPr>
+          <a:lstStyle/>
+          <a:p>
+            <a:r>
+              <a:rPr lang="en-GB" sz="1200" b="1" dirty="0"/>
+              <a:t>Stock Wallet Database</a:t>
+            </a:r>
+          </a:p>
+        </p:txBody>
+      </p:sp>
+      <p:pic>
+        <p:nvPicPr>
+          <p:cNvPr id="3078" name="Picture 6" descr="Vector Image Whatsapp Icon Social ...">
+            <a:extLst>
+              <a:ext uri="{FF2B5EF4-FFF2-40B4-BE49-F238E27FC236}">
+                <a16:creationId xmlns:a16="http://schemas.microsoft.com/office/drawing/2014/main" id="{ED1D0226-625B-5B16-B342-EA4ACE870326}"/>
+              </a:ext>
+            </a:extLst>
+          </p:cNvPr>
+          <p:cNvPicPr>
+            <a:picLocks noChangeAspect="1" noChangeArrowheads="1"/>
+          </p:cNvPicPr>
+          <p:nvPr/>
+        </p:nvPicPr>
+        <p:blipFill>
+          <a:blip r:embed="rId4">
+            <a:extLst>
+              <a:ext uri="{28A0092B-C50C-407E-A947-70E740481C1C}">
+                <a14:useLocalDpi xmlns:a14="http://schemas.microsoft.com/office/drawing/2010/main" val="0"/>
+              </a:ext>
+            </a:extLst>
+          </a:blip>
+          <a:srcRect/>
+          <a:stretch>
+            <a:fillRect/>
+          </a:stretch>
+        </p:blipFill>
+        <p:spPr bwMode="auto">
+          <a:xfrm>
+            <a:off x="7945110" y="3508552"/>
+            <a:ext cx="1935738" cy="518581"/>
+          </a:xfrm>
+          <a:prstGeom prst="rect">
+            <a:avLst/>
+          </a:prstGeom>
+          <a:noFill/>
+          <a:extLst>
+            <a:ext uri="{909E8E84-426E-40DD-AFC4-6F175D3DCCD1}">
+              <a14:hiddenFill xmlns:a14="http://schemas.microsoft.com/office/drawing/2010/main">
+                <a:solidFill>
+                  <a:srgbClr val="FFFFFF"/>
+                </a:solidFill>
+              </a14:hiddenFill>
+            </a:ext>
+          </a:extLst>
+        </p:spPr>
+      </p:pic>
+      <p:pic>
+        <p:nvPicPr>
+          <p:cNvPr id="17" name="Grafik 16">
+            <a:extLst>
+              <a:ext uri="{FF2B5EF4-FFF2-40B4-BE49-F238E27FC236}">
+                <a16:creationId xmlns:a16="http://schemas.microsoft.com/office/drawing/2014/main" id="{079A0D3A-F3C8-F831-CF72-E2FCDE59B677}"/>
+              </a:ext>
+            </a:extLst>
+          </p:cNvPr>
+          <p:cNvPicPr>
+            <a:picLocks noChangeAspect="1"/>
+          </p:cNvPicPr>
+          <p:nvPr/>
+        </p:nvPicPr>
+        <p:blipFill>
+          <a:blip r:embed="rId5"/>
+          <a:stretch>
+            <a:fillRect/>
+          </a:stretch>
+        </p:blipFill>
+        <p:spPr>
+          <a:xfrm>
+            <a:off x="998002" y="3853204"/>
+            <a:ext cx="2750042" cy="1579632"/>
+          </a:xfrm>
+          <a:prstGeom prst="rect">
+            <a:avLst/>
+          </a:prstGeom>
+        </p:spPr>
+      </p:pic>
+      <p:sp>
+        <p:nvSpPr>
+          <p:cNvPr id="18" name="Textfeld 17">
+            <a:extLst>
+              <a:ext uri="{FF2B5EF4-FFF2-40B4-BE49-F238E27FC236}">
+                <a16:creationId xmlns:a16="http://schemas.microsoft.com/office/drawing/2014/main" id="{C4120BA7-47C5-7489-8084-64A289D27D2C}"/>
+              </a:ext>
+            </a:extLst>
+          </p:cNvPr>
+          <p:cNvSpPr txBox="1"/>
+          <p:nvPr/>
+        </p:nvSpPr>
+        <p:spPr>
+          <a:xfrm>
+            <a:off x="1171607" y="3606033"/>
+            <a:ext cx="2274405" cy="276999"/>
+          </a:xfrm>
+          <a:prstGeom prst="rect">
+            <a:avLst/>
+          </a:prstGeom>
+          <a:noFill/>
+        </p:spPr>
+        <p:txBody>
+          <a:bodyPr wrap="none" rtlCol="0">
+            <a:spAutoFit/>
+          </a:bodyPr>
+          <a:lstStyle/>
+          <a:p>
+            <a:r>
+              <a:rPr lang="en-GB" sz="1200" b="1" dirty="0"/>
+              <a:t>Twelvedata.com Financial Assets</a:t>
+            </a:r>
+          </a:p>
+        </p:txBody>
+      </p:sp>
+      <p:sp>
+        <p:nvSpPr>
+          <p:cNvPr id="19" name="Rechteck 18">
+            <a:extLst>
+              <a:ext uri="{FF2B5EF4-FFF2-40B4-BE49-F238E27FC236}">
+                <a16:creationId xmlns:a16="http://schemas.microsoft.com/office/drawing/2014/main" id="{5132BD50-51D6-9A46-D6C1-FA4D90C9D888}"/>
+              </a:ext>
+            </a:extLst>
+          </p:cNvPr>
+          <p:cNvSpPr/>
+          <p:nvPr/>
+        </p:nvSpPr>
+        <p:spPr>
+          <a:xfrm>
+            <a:off x="932155" y="1828800"/>
+            <a:ext cx="2885243" cy="1579632"/>
+          </a:xfrm>
+          <a:prstGeom prst="rect">
+            <a:avLst/>
+          </a:prstGeom>
+          <a:noFill/>
+        </p:spPr>
+        <p:style>
+          <a:lnRef idx="2">
+            <a:schemeClr val="accent1">
+              <a:shade val="15000"/>
+            </a:schemeClr>
+          </a:lnRef>
+          <a:fillRef idx="1">
+            <a:schemeClr val="accent1"/>
+          </a:fillRef>
+          <a:effectRef idx="0">
+            <a:schemeClr val="accent1"/>
+          </a:effectRef>
+          <a:fontRef idx="minor">
+            <a:schemeClr val="lt1"/>
+          </a:fontRef>
+        </p:style>
+        <p:txBody>
+          <a:bodyPr rtlCol="0" anchor="ctr"/>
+          <a:lstStyle/>
+          <a:p>
+            <a:pPr algn="ctr"/>
+            <a:endParaRPr lang="en-GB"/>
+          </a:p>
+        </p:txBody>
+      </p:sp>
+      <p:sp>
+        <p:nvSpPr>
+          <p:cNvPr id="20" name="Rechteck 19">
+            <a:extLst>
+              <a:ext uri="{FF2B5EF4-FFF2-40B4-BE49-F238E27FC236}">
+                <a16:creationId xmlns:a16="http://schemas.microsoft.com/office/drawing/2014/main" id="{CEF72686-A9FD-A80F-8A26-E6536A59B7F5}"/>
+              </a:ext>
+            </a:extLst>
+          </p:cNvPr>
+          <p:cNvSpPr/>
+          <p:nvPr/>
+        </p:nvSpPr>
+        <p:spPr>
+          <a:xfrm>
+            <a:off x="924760" y="3827757"/>
+            <a:ext cx="2885243" cy="1579632"/>
+          </a:xfrm>
+          <a:prstGeom prst="rect">
+            <a:avLst/>
+          </a:prstGeom>
+          <a:noFill/>
+        </p:spPr>
+        <p:style>
+          <a:lnRef idx="2">
+            <a:schemeClr val="accent1">
+              <a:shade val="15000"/>
+            </a:schemeClr>
+          </a:lnRef>
+          <a:fillRef idx="1">
+            <a:schemeClr val="accent1"/>
+          </a:fillRef>
+          <a:effectRef idx="0">
+            <a:schemeClr val="accent1"/>
+          </a:effectRef>
+          <a:fontRef idx="minor">
+            <a:schemeClr val="lt1"/>
+          </a:fontRef>
+        </p:style>
+        <p:txBody>
+          <a:bodyPr rtlCol="0" anchor="ctr"/>
+          <a:lstStyle/>
+          <a:p>
+            <a:pPr algn="ctr"/>
+            <a:endParaRPr lang="en-GB"/>
+          </a:p>
+        </p:txBody>
+      </p:sp>
+      <p:pic>
+        <p:nvPicPr>
+          <p:cNvPr id="8" name="Picture 14" descr="AI bot Images - Search Images on Everypixel">
+            <a:extLst>
+              <a:ext uri="{FF2B5EF4-FFF2-40B4-BE49-F238E27FC236}">
+                <a16:creationId xmlns:a16="http://schemas.microsoft.com/office/drawing/2014/main" id="{B62B648B-78CB-310D-A633-AAF5B1EE4BB3}"/>
+              </a:ext>
+            </a:extLst>
+          </p:cNvPr>
+          <p:cNvPicPr>
+            <a:picLocks noChangeAspect="1" noChangeArrowheads="1"/>
+          </p:cNvPicPr>
+          <p:nvPr/>
+        </p:nvPicPr>
+        <p:blipFill>
+          <a:blip r:embed="rId6">
+            <a:extLst>
+              <a:ext uri="{28A0092B-C50C-407E-A947-70E740481C1C}">
+                <a14:useLocalDpi xmlns:a14="http://schemas.microsoft.com/office/drawing/2010/main" val="0"/>
+              </a:ext>
+            </a:extLst>
+          </a:blip>
+          <a:srcRect/>
+          <a:stretch>
+            <a:fillRect/>
+          </a:stretch>
+        </p:blipFill>
+        <p:spPr bwMode="auto">
+          <a:xfrm>
+            <a:off x="5067160" y="2491686"/>
+            <a:ext cx="676694" cy="701826"/>
+          </a:xfrm>
+          <a:prstGeom prst="rect">
+            <a:avLst/>
+          </a:prstGeom>
+          <a:noFill/>
+          <a:extLst>
+            <a:ext uri="{909E8E84-426E-40DD-AFC4-6F175D3DCCD1}">
+              <a14:hiddenFill xmlns:a14="http://schemas.microsoft.com/office/drawing/2010/main">
+                <a:solidFill>
+                  <a:srgbClr val="FFFFFF"/>
+                </a:solidFill>
+              </a14:hiddenFill>
+            </a:ext>
+          </a:extLst>
+        </p:spPr>
+      </p:pic>
+      <p:cxnSp>
+        <p:nvCxnSpPr>
+          <p:cNvPr id="22" name="Gerade Verbindung mit Pfeil 21">
+            <a:extLst>
+              <a:ext uri="{FF2B5EF4-FFF2-40B4-BE49-F238E27FC236}">
+                <a16:creationId xmlns:a16="http://schemas.microsoft.com/office/drawing/2014/main" id="{F7BAAC54-F06F-1E84-D1E5-932E701274FD}"/>
+              </a:ext>
+            </a:extLst>
+          </p:cNvPr>
+          <p:cNvCxnSpPr/>
+          <p:nvPr/>
+        </p:nvCxnSpPr>
+        <p:spPr>
+          <a:xfrm>
+            <a:off x="3923930" y="2379216"/>
+            <a:ext cx="708648" cy="435005"/>
+          </a:xfrm>
+          <a:prstGeom prst="straightConnector1">
+            <a:avLst/>
+          </a:prstGeom>
+          <a:ln w="76200">
+            <a:solidFill>
+              <a:srgbClr val="00B050"/>
+            </a:solidFill>
+            <a:tailEnd type="triangle"/>
+          </a:ln>
+        </p:spPr>
+        <p:style>
+          <a:lnRef idx="1">
+            <a:schemeClr val="accent1"/>
+          </a:lnRef>
+          <a:fillRef idx="0">
+            <a:schemeClr val="accent1"/>
+          </a:fillRef>
+          <a:effectRef idx="0">
+            <a:schemeClr val="accent1"/>
+          </a:effectRef>
+          <a:fontRef idx="minor">
+            <a:schemeClr val="tx1"/>
+          </a:fontRef>
+        </p:style>
+      </p:cxnSp>
+      <p:cxnSp>
+        <p:nvCxnSpPr>
+          <p:cNvPr id="23" name="Gerade Verbindung mit Pfeil 22">
+            <a:extLst>
+              <a:ext uri="{FF2B5EF4-FFF2-40B4-BE49-F238E27FC236}">
+                <a16:creationId xmlns:a16="http://schemas.microsoft.com/office/drawing/2014/main" id="{A2E8B125-6815-FE1A-8FC9-D7F3BFAC9BB2}"/>
+              </a:ext>
+            </a:extLst>
+          </p:cNvPr>
+          <p:cNvCxnSpPr>
+            <a:cxnSpLocks/>
+          </p:cNvCxnSpPr>
+          <p:nvPr/>
+        </p:nvCxnSpPr>
+        <p:spPr>
+          <a:xfrm flipV="1">
+            <a:off x="3883245" y="4487662"/>
+            <a:ext cx="749333" cy="254120"/>
+          </a:xfrm>
+          <a:prstGeom prst="straightConnector1">
+            <a:avLst/>
+          </a:prstGeom>
+          <a:ln w="76200">
+            <a:solidFill>
+              <a:srgbClr val="00B050"/>
+            </a:solidFill>
+            <a:tailEnd type="triangle"/>
+          </a:ln>
+        </p:spPr>
+        <p:style>
+          <a:lnRef idx="1">
+            <a:schemeClr val="accent1"/>
+          </a:lnRef>
+          <a:fillRef idx="0">
+            <a:schemeClr val="accent1"/>
+          </a:fillRef>
+          <a:effectRef idx="0">
+            <a:schemeClr val="accent1"/>
+          </a:effectRef>
+          <a:fontRef idx="minor">
+            <a:schemeClr val="tx1"/>
+          </a:fontRef>
+        </p:style>
+      </p:cxnSp>
+      <p:cxnSp>
+        <p:nvCxnSpPr>
+          <p:cNvPr id="25" name="Gerade Verbindung mit Pfeil 24">
+            <a:extLst>
+              <a:ext uri="{FF2B5EF4-FFF2-40B4-BE49-F238E27FC236}">
+                <a16:creationId xmlns:a16="http://schemas.microsoft.com/office/drawing/2014/main" id="{AC1EF8CC-B4D6-FE1A-9803-605F7847091F}"/>
+              </a:ext>
+            </a:extLst>
+          </p:cNvPr>
+          <p:cNvCxnSpPr>
+            <a:cxnSpLocks/>
+          </p:cNvCxnSpPr>
+          <p:nvPr/>
+        </p:nvCxnSpPr>
+        <p:spPr>
+          <a:xfrm>
+            <a:off x="5221611" y="4487662"/>
+            <a:ext cx="0" cy="734627"/>
+          </a:xfrm>
+          <a:prstGeom prst="straightConnector1">
+            <a:avLst/>
+          </a:prstGeom>
+          <a:ln w="76200">
+            <a:solidFill>
+              <a:srgbClr val="00B050"/>
+            </a:solidFill>
+            <a:tailEnd type="triangle"/>
+          </a:ln>
+        </p:spPr>
+        <p:style>
+          <a:lnRef idx="1">
+            <a:schemeClr val="accent1"/>
+          </a:lnRef>
+          <a:fillRef idx="0">
+            <a:schemeClr val="accent1"/>
+          </a:fillRef>
+          <a:effectRef idx="0">
+            <a:schemeClr val="accent1"/>
+          </a:effectRef>
+          <a:fontRef idx="minor">
+            <a:schemeClr val="tx1"/>
+          </a:fontRef>
+        </p:style>
+      </p:cxnSp>
+      <p:cxnSp>
+        <p:nvCxnSpPr>
+          <p:cNvPr id="29" name="Gerade Verbindung mit Pfeil 28">
+            <a:extLst>
+              <a:ext uri="{FF2B5EF4-FFF2-40B4-BE49-F238E27FC236}">
+                <a16:creationId xmlns:a16="http://schemas.microsoft.com/office/drawing/2014/main" id="{782F69FB-2182-8D29-0A01-1570160DCC07}"/>
+              </a:ext>
+            </a:extLst>
+          </p:cNvPr>
+          <p:cNvCxnSpPr>
+            <a:cxnSpLocks/>
+            <a:endCxn id="3078" idx="1"/>
+          </p:cNvCxnSpPr>
+          <p:nvPr/>
+        </p:nvCxnSpPr>
+        <p:spPr>
+          <a:xfrm>
+            <a:off x="6844683" y="3744532"/>
+            <a:ext cx="1100427" cy="23311"/>
+          </a:xfrm>
+          <a:prstGeom prst="straightConnector1">
+            <a:avLst/>
+          </a:prstGeom>
+          <a:ln w="76200">
+            <a:solidFill>
+              <a:srgbClr val="00B050"/>
+            </a:solidFill>
+            <a:tailEnd type="triangle"/>
+          </a:ln>
+        </p:spPr>
+        <p:style>
+          <a:lnRef idx="1">
+            <a:schemeClr val="accent1"/>
+          </a:lnRef>
+          <a:fillRef idx="0">
+            <a:schemeClr val="accent1"/>
+          </a:fillRef>
+          <a:effectRef idx="0">
+            <a:schemeClr val="accent1"/>
+          </a:effectRef>
+          <a:fontRef idx="minor">
+            <a:schemeClr val="tx1"/>
+          </a:fontRef>
+        </p:style>
+      </p:cxnSp>
+      <p:grpSp>
+        <p:nvGrpSpPr>
+          <p:cNvPr id="3075" name="Gruppieren 3074">
+            <a:extLst>
+              <a:ext uri="{FF2B5EF4-FFF2-40B4-BE49-F238E27FC236}">
+                <a16:creationId xmlns:a16="http://schemas.microsoft.com/office/drawing/2014/main" id="{B50ADE6D-12D7-9C04-E87B-4FBFD1EBFBE1}"/>
+              </a:ext>
+            </a:extLst>
+          </p:cNvPr>
+          <p:cNvGrpSpPr/>
+          <p:nvPr/>
+        </p:nvGrpSpPr>
+        <p:grpSpPr>
+          <a:xfrm>
+            <a:off x="5810645" y="4606402"/>
+            <a:ext cx="507568" cy="408766"/>
+            <a:chOff x="4714043" y="1598187"/>
+            <a:chExt cx="507568" cy="408766"/>
+          </a:xfrm>
+        </p:grpSpPr>
+        <p:sp>
+          <p:nvSpPr>
+            <p:cNvPr id="3072" name="Ellipse 3071">
+              <a:extLst>
+                <a:ext uri="{FF2B5EF4-FFF2-40B4-BE49-F238E27FC236}">
+                  <a16:creationId xmlns:a16="http://schemas.microsoft.com/office/drawing/2014/main" id="{C2EDE0D7-1759-7F55-E287-EDDD85B58540}"/>
+                </a:ext>
+              </a:extLst>
+            </p:cNvPr>
+            <p:cNvSpPr/>
+            <p:nvPr/>
+          </p:nvSpPr>
+          <p:spPr>
+            <a:xfrm>
+              <a:off x="4714043" y="1598187"/>
+              <a:ext cx="507568" cy="408766"/>
+            </a:xfrm>
+            <a:prstGeom prst="ellipse">
+              <a:avLst/>
+            </a:prstGeom>
+            <a:noFill/>
+            <a:ln w="19050"/>
+          </p:spPr>
+          <p:style>
+            <a:lnRef idx="2">
+              <a:schemeClr val="accent1">
+                <a:shade val="15000"/>
+              </a:schemeClr>
+            </a:lnRef>
+            <a:fillRef idx="1">
+              <a:schemeClr val="accent1"/>
+            </a:fillRef>
+            <a:effectRef idx="0">
+              <a:schemeClr val="accent1"/>
+            </a:effectRef>
+            <a:fontRef idx="minor">
+              <a:schemeClr val="lt1"/>
+            </a:fontRef>
+          </p:style>
+          <p:txBody>
+            <a:bodyPr rtlCol="0" anchor="ctr"/>
+            <a:lstStyle/>
+            <a:p>
+              <a:pPr algn="ctr"/>
+              <a:endParaRPr lang="en-GB"/>
+            </a:p>
+          </p:txBody>
+        </p:sp>
+        <p:sp>
+          <p:nvSpPr>
+            <p:cNvPr id="3073" name="Textfeld 3072">
+              <a:extLst>
+                <a:ext uri="{FF2B5EF4-FFF2-40B4-BE49-F238E27FC236}">
+                  <a16:creationId xmlns:a16="http://schemas.microsoft.com/office/drawing/2014/main" id="{A8BA5774-AD45-C071-6426-A7306D4DBFD2}"/>
+                </a:ext>
+              </a:extLst>
+            </p:cNvPr>
+            <p:cNvSpPr txBox="1"/>
+            <p:nvPr/>
+          </p:nvSpPr>
+          <p:spPr>
+            <a:xfrm>
+              <a:off x="4811699" y="1624610"/>
+              <a:ext cx="301686" cy="369332"/>
+            </a:xfrm>
+            <a:prstGeom prst="rect">
+              <a:avLst/>
+            </a:prstGeom>
+            <a:noFill/>
+          </p:spPr>
+          <p:txBody>
+            <a:bodyPr wrap="none" rtlCol="0">
+              <a:spAutoFit/>
+            </a:bodyPr>
+            <a:lstStyle/>
+            <a:p>
+              <a:r>
+                <a:rPr lang="en-GB" dirty="0"/>
+                <a:t>3</a:t>
+              </a:r>
+            </a:p>
+          </p:txBody>
+        </p:sp>
+      </p:grpSp>
+      <p:grpSp>
+        <p:nvGrpSpPr>
+          <p:cNvPr id="3077" name="Gruppieren 3076">
+            <a:extLst>
+              <a:ext uri="{FF2B5EF4-FFF2-40B4-BE49-F238E27FC236}">
+                <a16:creationId xmlns:a16="http://schemas.microsoft.com/office/drawing/2014/main" id="{89BFC985-BB48-DE86-1A5D-E3F8D4975970}"/>
+              </a:ext>
+            </a:extLst>
+          </p:cNvPr>
+          <p:cNvGrpSpPr/>
+          <p:nvPr/>
+        </p:nvGrpSpPr>
+        <p:grpSpPr>
+          <a:xfrm>
+            <a:off x="4114143" y="1967113"/>
+            <a:ext cx="507568" cy="408766"/>
+            <a:chOff x="4714043" y="1598187"/>
+            <a:chExt cx="507568" cy="408766"/>
+          </a:xfrm>
+        </p:grpSpPr>
+        <p:sp>
+          <p:nvSpPr>
+            <p:cNvPr id="3079" name="Ellipse 3078">
+              <a:extLst>
+                <a:ext uri="{FF2B5EF4-FFF2-40B4-BE49-F238E27FC236}">
+                  <a16:creationId xmlns:a16="http://schemas.microsoft.com/office/drawing/2014/main" id="{0A71D62A-28CF-E9ED-BF22-3E885149F2E6}"/>
+                </a:ext>
+              </a:extLst>
+            </p:cNvPr>
+            <p:cNvSpPr/>
+            <p:nvPr/>
+          </p:nvSpPr>
+          <p:spPr>
+            <a:xfrm>
+              <a:off x="4714043" y="1598187"/>
+              <a:ext cx="507568" cy="408766"/>
+            </a:xfrm>
+            <a:prstGeom prst="ellipse">
+              <a:avLst/>
+            </a:prstGeom>
+            <a:noFill/>
+            <a:ln w="19050"/>
+          </p:spPr>
+          <p:style>
+            <a:lnRef idx="2">
+              <a:schemeClr val="accent1">
+                <a:shade val="15000"/>
+              </a:schemeClr>
+            </a:lnRef>
+            <a:fillRef idx="1">
+              <a:schemeClr val="accent1"/>
+            </a:fillRef>
+            <a:effectRef idx="0">
+              <a:schemeClr val="accent1"/>
+            </a:effectRef>
+            <a:fontRef idx="minor">
+              <a:schemeClr val="lt1"/>
+            </a:fontRef>
+          </p:style>
+          <p:txBody>
+            <a:bodyPr rtlCol="0" anchor="ctr"/>
+            <a:lstStyle/>
+            <a:p>
+              <a:pPr algn="ctr"/>
+              <a:endParaRPr lang="en-GB"/>
+            </a:p>
+          </p:txBody>
+        </p:sp>
+        <p:sp>
+          <p:nvSpPr>
+            <p:cNvPr id="3080" name="Textfeld 3079">
+              <a:extLst>
+                <a:ext uri="{FF2B5EF4-FFF2-40B4-BE49-F238E27FC236}">
+                  <a16:creationId xmlns:a16="http://schemas.microsoft.com/office/drawing/2014/main" id="{300732D9-5068-5015-D690-80A583D6C058}"/>
+                </a:ext>
+              </a:extLst>
+            </p:cNvPr>
+            <p:cNvSpPr txBox="1"/>
+            <p:nvPr/>
+          </p:nvSpPr>
+          <p:spPr>
+            <a:xfrm>
+              <a:off x="4811699" y="1624610"/>
+              <a:ext cx="301686" cy="369332"/>
+            </a:xfrm>
+            <a:prstGeom prst="rect">
+              <a:avLst/>
+            </a:prstGeom>
+            <a:noFill/>
+          </p:spPr>
+          <p:txBody>
+            <a:bodyPr wrap="none" rtlCol="0">
+              <a:spAutoFit/>
+            </a:bodyPr>
+            <a:lstStyle/>
+            <a:p>
+              <a:r>
+                <a:rPr lang="en-GB" dirty="0"/>
+                <a:t>1</a:t>
+              </a:r>
+            </a:p>
+          </p:txBody>
+        </p:sp>
+      </p:grpSp>
+      <p:grpSp>
+        <p:nvGrpSpPr>
+          <p:cNvPr id="3081" name="Gruppieren 3080">
+            <a:extLst>
+              <a:ext uri="{FF2B5EF4-FFF2-40B4-BE49-F238E27FC236}">
+                <a16:creationId xmlns:a16="http://schemas.microsoft.com/office/drawing/2014/main" id="{6711CB0D-015E-D3C1-7047-1DC4C3EEF188}"/>
+              </a:ext>
+            </a:extLst>
+          </p:cNvPr>
+          <p:cNvGrpSpPr/>
+          <p:nvPr/>
+        </p:nvGrpSpPr>
+        <p:grpSpPr>
+          <a:xfrm>
+            <a:off x="3909843" y="4006337"/>
+            <a:ext cx="507568" cy="408766"/>
+            <a:chOff x="4714043" y="1598187"/>
+            <a:chExt cx="507568" cy="408766"/>
+          </a:xfrm>
+        </p:grpSpPr>
+        <p:sp>
+          <p:nvSpPr>
+            <p:cNvPr id="3082" name="Ellipse 3081">
+              <a:extLst>
+                <a:ext uri="{FF2B5EF4-FFF2-40B4-BE49-F238E27FC236}">
+                  <a16:creationId xmlns:a16="http://schemas.microsoft.com/office/drawing/2014/main" id="{7543ABEA-2CF7-18B4-47CF-DB40D660878A}"/>
+                </a:ext>
+              </a:extLst>
+            </p:cNvPr>
+            <p:cNvSpPr/>
+            <p:nvPr/>
+          </p:nvSpPr>
+          <p:spPr>
+            <a:xfrm>
+              <a:off x="4714043" y="1598187"/>
+              <a:ext cx="507568" cy="408766"/>
+            </a:xfrm>
+            <a:prstGeom prst="ellipse">
+              <a:avLst/>
+            </a:prstGeom>
+            <a:noFill/>
+            <a:ln w="19050"/>
+          </p:spPr>
+          <p:style>
+            <a:lnRef idx="2">
+              <a:schemeClr val="accent1">
+                <a:shade val="15000"/>
+              </a:schemeClr>
+            </a:lnRef>
+            <a:fillRef idx="1">
+              <a:schemeClr val="accent1"/>
+            </a:fillRef>
+            <a:effectRef idx="0">
+              <a:schemeClr val="accent1"/>
+            </a:effectRef>
+            <a:fontRef idx="minor">
+              <a:schemeClr val="lt1"/>
+            </a:fontRef>
+          </p:style>
+          <p:txBody>
+            <a:bodyPr rtlCol="0" anchor="ctr"/>
+            <a:lstStyle/>
+            <a:p>
+              <a:pPr algn="ctr"/>
+              <a:endParaRPr lang="en-GB"/>
+            </a:p>
+          </p:txBody>
+        </p:sp>
+        <p:sp>
+          <p:nvSpPr>
+            <p:cNvPr id="3083" name="Textfeld 3082">
+              <a:extLst>
+                <a:ext uri="{FF2B5EF4-FFF2-40B4-BE49-F238E27FC236}">
+                  <a16:creationId xmlns:a16="http://schemas.microsoft.com/office/drawing/2014/main" id="{27970C82-4C0E-1092-1BBE-9522C81D1DF8}"/>
+                </a:ext>
+              </a:extLst>
+            </p:cNvPr>
+            <p:cNvSpPr txBox="1"/>
+            <p:nvPr/>
+          </p:nvSpPr>
+          <p:spPr>
+            <a:xfrm>
+              <a:off x="4811699" y="1624610"/>
+              <a:ext cx="301686" cy="369332"/>
+            </a:xfrm>
+            <a:prstGeom prst="rect">
+              <a:avLst/>
+            </a:prstGeom>
+            <a:noFill/>
+          </p:spPr>
+          <p:txBody>
+            <a:bodyPr wrap="none" rtlCol="0">
+              <a:spAutoFit/>
+            </a:bodyPr>
+            <a:lstStyle/>
+            <a:p>
+              <a:r>
+                <a:rPr lang="en-GB" dirty="0"/>
+                <a:t>2</a:t>
+              </a:r>
+            </a:p>
+          </p:txBody>
+        </p:sp>
+      </p:grpSp>
+      <p:grpSp>
+        <p:nvGrpSpPr>
+          <p:cNvPr id="3084" name="Gruppieren 3083">
+            <a:extLst>
+              <a:ext uri="{FF2B5EF4-FFF2-40B4-BE49-F238E27FC236}">
+                <a16:creationId xmlns:a16="http://schemas.microsoft.com/office/drawing/2014/main" id="{51C51CC1-8322-F93A-6078-B0E077D80C06}"/>
+              </a:ext>
+            </a:extLst>
+          </p:cNvPr>
+          <p:cNvGrpSpPr/>
+          <p:nvPr/>
+        </p:nvGrpSpPr>
+        <p:grpSpPr>
+          <a:xfrm>
+            <a:off x="7151024" y="3217776"/>
+            <a:ext cx="507568" cy="408766"/>
+            <a:chOff x="4714043" y="1598187"/>
+            <a:chExt cx="507568" cy="408766"/>
+          </a:xfrm>
+        </p:grpSpPr>
+        <p:sp>
+          <p:nvSpPr>
+            <p:cNvPr id="3085" name="Ellipse 3084">
+              <a:extLst>
+                <a:ext uri="{FF2B5EF4-FFF2-40B4-BE49-F238E27FC236}">
+                  <a16:creationId xmlns:a16="http://schemas.microsoft.com/office/drawing/2014/main" id="{7D7A1507-F216-83E0-9975-361E88A4B8EB}"/>
+                </a:ext>
+              </a:extLst>
+            </p:cNvPr>
+            <p:cNvSpPr/>
+            <p:nvPr/>
+          </p:nvSpPr>
+          <p:spPr>
+            <a:xfrm>
+              <a:off x="4714043" y="1598187"/>
+              <a:ext cx="507568" cy="408766"/>
+            </a:xfrm>
+            <a:prstGeom prst="ellipse">
+              <a:avLst/>
+            </a:prstGeom>
+            <a:noFill/>
+            <a:ln w="19050"/>
+          </p:spPr>
+          <p:style>
+            <a:lnRef idx="2">
+              <a:schemeClr val="accent1">
+                <a:shade val="15000"/>
+              </a:schemeClr>
+            </a:lnRef>
+            <a:fillRef idx="1">
+              <a:schemeClr val="accent1"/>
+            </a:fillRef>
+            <a:effectRef idx="0">
+              <a:schemeClr val="accent1"/>
+            </a:effectRef>
+            <a:fontRef idx="minor">
+              <a:schemeClr val="lt1"/>
+            </a:fontRef>
+          </p:style>
+          <p:txBody>
+            <a:bodyPr rtlCol="0" anchor="ctr"/>
+            <a:lstStyle/>
+            <a:p>
+              <a:pPr algn="ctr"/>
+              <a:endParaRPr lang="en-GB"/>
+            </a:p>
+          </p:txBody>
+        </p:sp>
+        <p:sp>
+          <p:nvSpPr>
+            <p:cNvPr id="3086" name="Textfeld 3085">
+              <a:extLst>
+                <a:ext uri="{FF2B5EF4-FFF2-40B4-BE49-F238E27FC236}">
+                  <a16:creationId xmlns:a16="http://schemas.microsoft.com/office/drawing/2014/main" id="{F2C50919-6E00-27A4-5B89-B43419109481}"/>
+                </a:ext>
+              </a:extLst>
+            </p:cNvPr>
+            <p:cNvSpPr txBox="1"/>
+            <p:nvPr/>
+          </p:nvSpPr>
+          <p:spPr>
+            <a:xfrm>
+              <a:off x="4811699" y="1624610"/>
+              <a:ext cx="301686" cy="369332"/>
+            </a:xfrm>
+            <a:prstGeom prst="rect">
+              <a:avLst/>
+            </a:prstGeom>
+            <a:noFill/>
+          </p:spPr>
+          <p:txBody>
+            <a:bodyPr wrap="none" rtlCol="0">
+              <a:spAutoFit/>
+            </a:bodyPr>
+            <a:lstStyle/>
+            <a:p>
+              <a:r>
+                <a:rPr lang="en-GB" dirty="0"/>
+                <a:t>4</a:t>
+              </a:r>
+            </a:p>
+          </p:txBody>
+        </p:sp>
+      </p:grpSp>
+      <p:sp>
+        <p:nvSpPr>
+          <p:cNvPr id="3088" name="Sprechblase: rechteckig mit abgerundeten Ecken 3087">
+            <a:extLst>
+              <a:ext uri="{FF2B5EF4-FFF2-40B4-BE49-F238E27FC236}">
+                <a16:creationId xmlns:a16="http://schemas.microsoft.com/office/drawing/2014/main" id="{C3DCDB3D-8D30-E63E-3437-6A45826446B4}"/>
+              </a:ext>
+            </a:extLst>
+          </p:cNvPr>
+          <p:cNvSpPr/>
+          <p:nvPr/>
+        </p:nvSpPr>
+        <p:spPr>
+          <a:xfrm>
+            <a:off x="5646198" y="221942"/>
+            <a:ext cx="5897815" cy="2151754"/>
+          </a:xfrm>
+          <a:prstGeom prst="wedgeRoundRectCallout">
+            <a:avLst>
+              <a:gd name="adj1" fmla="val -46874"/>
+              <a:gd name="adj2" fmla="val 83954"/>
+              <a:gd name="adj3" fmla="val 16667"/>
+            </a:avLst>
+          </a:prstGeom>
+          <a:noFill/>
+          <a:ln w="19050"/>
+        </p:spPr>
+        <p:style>
+          <a:lnRef idx="2">
+            <a:schemeClr val="accent1">
+              <a:shade val="15000"/>
+            </a:schemeClr>
+          </a:lnRef>
+          <a:fillRef idx="1">
+            <a:schemeClr val="accent1"/>
+          </a:fillRef>
+          <a:effectRef idx="0">
+            <a:schemeClr val="accent1"/>
+          </a:effectRef>
+          <a:fontRef idx="minor">
+            <a:schemeClr val="lt1"/>
+          </a:fontRef>
+        </p:style>
+        <p:txBody>
+          <a:bodyPr rtlCol="0" anchor="ctr"/>
+          <a:lstStyle/>
+          <a:p>
+            <a:pPr algn="ctr"/>
+            <a:endParaRPr lang="en-GB" dirty="0"/>
+          </a:p>
+        </p:txBody>
+      </p:sp>
+      <p:sp>
+        <p:nvSpPr>
+          <p:cNvPr id="3089" name="Textfeld 3088">
+            <a:extLst>
+              <a:ext uri="{FF2B5EF4-FFF2-40B4-BE49-F238E27FC236}">
+                <a16:creationId xmlns:a16="http://schemas.microsoft.com/office/drawing/2014/main" id="{C4BEF752-39C6-C00A-2F32-57A6E50F3CCE}"/>
+              </a:ext>
+            </a:extLst>
+          </p:cNvPr>
+          <p:cNvSpPr txBox="1"/>
+          <p:nvPr/>
+        </p:nvSpPr>
+        <p:spPr>
+          <a:xfrm>
+            <a:off x="5810645" y="317152"/>
+            <a:ext cx="5262308" cy="954107"/>
+          </a:xfrm>
+          <a:prstGeom prst="rect">
+            <a:avLst/>
+          </a:prstGeom>
+          <a:noFill/>
+        </p:spPr>
+        <p:txBody>
+          <a:bodyPr wrap="square" rtlCol="0">
+            <a:spAutoFit/>
+          </a:bodyPr>
+          <a:lstStyle/>
+          <a:p>
+            <a:pPr marL="342900" indent="-342900">
+              <a:buAutoNum type="arabicPeriod"/>
+            </a:pPr>
+            <a:r>
+              <a:rPr lang="en-GB" sz="1400" dirty="0"/>
+              <a:t>Fetch real-time stock prices from </a:t>
+            </a:r>
+            <a:r>
+              <a:rPr lang="en-GB" sz="1400" dirty="0">
+                <a:hlinkClick r:id="rId7"/>
+              </a:rPr>
+              <a:t>www.twelvedata.com</a:t>
+            </a:r>
+            <a:endParaRPr lang="en-GB" sz="1400" dirty="0"/>
+          </a:p>
+          <a:p>
+            <a:pPr marL="342900" indent="-342900">
+              <a:buAutoNum type="arabicPeriod"/>
+            </a:pPr>
+            <a:r>
+              <a:rPr lang="en-GB" sz="1400" dirty="0"/>
+              <a:t>Fetch economic trends from  </a:t>
+            </a:r>
+            <a:r>
+              <a:rPr lang="en-GB" sz="1400" dirty="0">
+                <a:hlinkClick r:id="rId8"/>
+              </a:rPr>
+              <a:t>www.tradingeconomics.com</a:t>
+            </a:r>
+            <a:endParaRPr lang="en-GB" sz="1400" dirty="0"/>
+          </a:p>
+          <a:p>
+            <a:pPr marL="342900" indent="-342900">
+              <a:buAutoNum type="arabicPeriod"/>
+            </a:pPr>
+            <a:r>
+              <a:rPr lang="en-GB" sz="1400" dirty="0"/>
+              <a:t>Fetch and Update the stocks you have outstanding cloud DB</a:t>
+            </a:r>
+          </a:p>
+          <a:p>
+            <a:pPr marL="342900" indent="-342900">
+              <a:buAutoNum type="arabicPeriod"/>
+            </a:pPr>
+            <a:r>
+              <a:rPr lang="en-GB" sz="1400" dirty="0"/>
+              <a:t>Send out </a:t>
+            </a:r>
+            <a:r>
+              <a:rPr lang="en-GB" sz="1400" dirty="0" err="1"/>
+              <a:t>WhatsUp</a:t>
+            </a:r>
+            <a:r>
+              <a:rPr lang="en-GB" sz="1400" dirty="0"/>
+              <a:t> notifications on big price range Rise or Fall</a:t>
+            </a:r>
+          </a:p>
+        </p:txBody>
+      </p:sp>
+      <p:sp>
+        <p:nvSpPr>
+          <p:cNvPr id="3090" name="Denkblase: wolkenförmig 3089">
+            <a:extLst>
+              <a:ext uri="{FF2B5EF4-FFF2-40B4-BE49-F238E27FC236}">
+                <a16:creationId xmlns:a16="http://schemas.microsoft.com/office/drawing/2014/main" id="{4323FCC7-E818-30BF-EA58-18430D34778C}"/>
+              </a:ext>
+            </a:extLst>
+          </p:cNvPr>
+          <p:cNvSpPr/>
+          <p:nvPr/>
+        </p:nvSpPr>
+        <p:spPr>
+          <a:xfrm>
+            <a:off x="6658252" y="4003823"/>
+            <a:ext cx="4885760" cy="2442427"/>
+          </a:xfrm>
+          <a:prstGeom prst="cloudCallout">
+            <a:avLst>
+              <a:gd name="adj1" fmla="val -45833"/>
+              <a:gd name="adj2" fmla="val -47737"/>
+            </a:avLst>
+          </a:prstGeom>
+          <a:noFill/>
+          <a:ln w="12700">
+            <a:prstDash val="dash"/>
+          </a:ln>
+        </p:spPr>
+        <p:style>
+          <a:lnRef idx="2">
+            <a:schemeClr val="accent1">
+              <a:shade val="15000"/>
+            </a:schemeClr>
+          </a:lnRef>
+          <a:fillRef idx="1">
+            <a:schemeClr val="accent1"/>
+          </a:fillRef>
+          <a:effectRef idx="0">
+            <a:schemeClr val="accent1"/>
+          </a:effectRef>
+          <a:fontRef idx="minor">
+            <a:schemeClr val="lt1"/>
+          </a:fontRef>
+        </p:style>
+        <p:txBody>
+          <a:bodyPr rtlCol="0" anchor="ctr"/>
+          <a:lstStyle/>
+          <a:p>
+            <a:pPr algn="ctr"/>
+            <a:endParaRPr lang="en-GB"/>
+          </a:p>
+        </p:txBody>
+      </p:sp>
+      <p:sp>
+        <p:nvSpPr>
+          <p:cNvPr id="3091" name="Textfeld 3090">
+            <a:extLst>
+              <a:ext uri="{FF2B5EF4-FFF2-40B4-BE49-F238E27FC236}">
+                <a16:creationId xmlns:a16="http://schemas.microsoft.com/office/drawing/2014/main" id="{56572403-6750-4A6B-99C2-B5C22B6B313F}"/>
+              </a:ext>
+            </a:extLst>
+          </p:cNvPr>
+          <p:cNvSpPr txBox="1"/>
+          <p:nvPr/>
+        </p:nvSpPr>
+        <p:spPr>
+          <a:xfrm>
+            <a:off x="7250149" y="4561479"/>
+            <a:ext cx="3666901" cy="1477328"/>
+          </a:xfrm>
+          <a:prstGeom prst="rect">
+            <a:avLst/>
+          </a:prstGeom>
+          <a:noFill/>
+        </p:spPr>
+        <p:txBody>
+          <a:bodyPr wrap="none" rtlCol="0">
+            <a:spAutoFit/>
+          </a:bodyPr>
+          <a:lstStyle/>
+          <a:p>
+            <a:r>
+              <a:rPr lang="en-GB" dirty="0"/>
+              <a:t>I work ….</a:t>
+            </a:r>
+          </a:p>
+          <a:p>
+            <a:r>
+              <a:rPr lang="en-GB" dirty="0"/>
+              <a:t>     - 24/7 </a:t>
+            </a:r>
+          </a:p>
+          <a:p>
+            <a:r>
+              <a:rPr lang="en-GB" dirty="0"/>
+              <a:t>     - 365 days a year</a:t>
+            </a:r>
+          </a:p>
+          <a:p>
+            <a:r>
+              <a:rPr lang="en-GB" dirty="0"/>
+              <a:t>     - each minute</a:t>
+            </a:r>
+          </a:p>
+          <a:p>
+            <a:r>
+              <a:rPr lang="en-GB" dirty="0"/>
+              <a:t>     - configurable scheduling interval</a:t>
+            </a:r>
+          </a:p>
+        </p:txBody>
+      </p:sp>
+      <p:pic>
+        <p:nvPicPr>
+          <p:cNvPr id="3092" name="Picture 14" descr="AI bot Images - Search Images on Everypixel">
+            <a:extLst>
+              <a:ext uri="{FF2B5EF4-FFF2-40B4-BE49-F238E27FC236}">
+                <a16:creationId xmlns:a16="http://schemas.microsoft.com/office/drawing/2014/main" id="{3CCDF119-A8A2-28E6-8977-5D26C75E749E}"/>
+              </a:ext>
+            </a:extLst>
+          </p:cNvPr>
+          <p:cNvPicPr>
+            <a:picLocks noChangeAspect="1" noChangeArrowheads="1"/>
+          </p:cNvPicPr>
+          <p:nvPr/>
+        </p:nvPicPr>
+        <p:blipFill>
+          <a:blip r:embed="rId6">
+            <a:extLst>
+              <a:ext uri="{28A0092B-C50C-407E-A947-70E740481C1C}">
+                <a14:useLocalDpi xmlns:a14="http://schemas.microsoft.com/office/drawing/2010/main" val="0"/>
+              </a:ext>
+            </a:extLst>
+          </a:blip>
+          <a:srcRect/>
+          <a:stretch>
+            <a:fillRect/>
+          </a:stretch>
+        </p:blipFill>
+        <p:spPr bwMode="auto">
+          <a:xfrm>
+            <a:off x="9294410" y="4579276"/>
+            <a:ext cx="676694" cy="701826"/>
+          </a:xfrm>
+          <a:prstGeom prst="rect">
+            <a:avLst/>
+          </a:prstGeom>
+          <a:noFill/>
+          <a:extLst>
+            <a:ext uri="{909E8E84-426E-40DD-AFC4-6F175D3DCCD1}">
+              <a14:hiddenFill xmlns:a14="http://schemas.microsoft.com/office/drawing/2010/main">
+                <a:solidFill>
+                  <a:srgbClr val="FFFFFF"/>
+                </a:solidFill>
+              </a14:hiddenFill>
+            </a:ext>
+          </a:extLst>
+        </p:spPr>
+      </p:pic>
     </p:spTree>
     <p:extLst>
       <p:ext uri="{BB962C8B-B14F-4D97-AF65-F5344CB8AC3E}">
@@ -3743,7 +5500,13 @@
           <a:bodyPr/>
           <a:lstStyle/>
           <a:p>
-            <a:endParaRPr lang="en-GB"/>
+            <a:r>
+              <a:rPr lang="en-GB" dirty="0"/>
+              <a:t>Works round the clock, 24/7, 365 days</a:t>
+            </a:r>
+          </a:p>
+          <a:p>
+            <a:endParaRPr lang="en-GB" dirty="0"/>
           </a:p>
         </p:txBody>
       </p:sp>
@@ -3826,7 +5589,56 @@
           <a:bodyPr/>
           <a:lstStyle/>
           <a:p>
-            <a:endParaRPr lang="en-GB"/>
+            <a:r>
+              <a:rPr lang="en-GB" dirty="0"/>
+              <a:t>No intention to bring a new product</a:t>
+            </a:r>
+          </a:p>
+          <a:p>
+            <a:r>
+              <a:rPr lang="en-GB" dirty="0"/>
+              <a:t>To demonstrate the technology underneath</a:t>
+            </a:r>
+          </a:p>
+          <a:p>
+            <a:pPr lvl="1"/>
+            <a:r>
+              <a:rPr lang="en-GB" dirty="0"/>
+              <a:t>Demonstrating End-to-End software development process</a:t>
+            </a:r>
+          </a:p>
+          <a:p>
+            <a:pPr lvl="2"/>
+            <a:r>
+              <a:rPr lang="en-GB" dirty="0"/>
+              <a:t>From Java /Spring development</a:t>
+            </a:r>
+          </a:p>
+          <a:p>
+            <a:pPr lvl="2"/>
+            <a:r>
+              <a:rPr lang="en-GB" dirty="0"/>
+              <a:t>Gradle build and </a:t>
+            </a:r>
+            <a:r>
+              <a:rPr lang="en-GB" dirty="0" err="1"/>
+              <a:t>SpringBoot</a:t>
+            </a:r>
+            <a:r>
+              <a:rPr lang="en-GB" dirty="0"/>
+              <a:t> jar package</a:t>
+            </a:r>
+          </a:p>
+          <a:p>
+            <a:pPr lvl="2"/>
+            <a:r>
+              <a:rPr lang="en-GB"/>
+              <a:t>DevOps pipeline Test</a:t>
+            </a:r>
+          </a:p>
+          <a:p>
+            <a:pPr lvl="2"/>
+            <a:endParaRPr lang="en-GB" dirty="0"/>
           </a:p>
         </p:txBody>
       </p:sp>

--- a/ppt/ai-trader.pptx
+++ b/ppt/ai-trader.pptx
@@ -5632,7 +5632,7 @@
           <a:p>
             <a:pPr lvl="2"/>
             <a:r>
-              <a:rPr lang="en-GB"/>
+              <a:rPr lang="en-GB" dirty="0"/>
               <a:t>DevOps pipeline Test</a:t>
             </a:r>
           </a:p>

--- a/ppt/ai-trader.pptx
+++ b/ppt/ai-trader.pptx
@@ -109,6 +109,11 @@
       </a:defRPr>
     </a:lvl9pPr>
   </p:defaultTextStyle>
+  <p:extLst>
+    <p:ext uri="{EFAFB233-063F-42B5-8137-9DF3F51BA10A}">
+      <p15:sldGuideLst xmlns:p15="http://schemas.microsoft.com/office/powerpoint/2012/main"/>
+    </p:ext>
+  </p:extLst>
 </p:presentation>
 </file>
 
@@ -3410,7 +3415,7 @@
           <a:p>
             <a:r>
               <a:rPr lang="en-GB" dirty="0"/>
-              <a:t>Buyes or Sells based on Justifications and Predictions</a:t>
+              <a:t>Buys or Sells based on Justifications and Predictions</a:t>
             </a:r>
           </a:p>
         </p:txBody>
@@ -3968,6 +3973,100 @@
           <a:chExt cx="0" cy="0"/>
         </a:xfrm>
       </p:grpSpPr>
+      <p:pic>
+        <p:nvPicPr>
+          <p:cNvPr id="1030" name="Picture 6" descr="Economic Outlook Report 2023: Slow ...">
+            <a:extLst>
+              <a:ext uri="{FF2B5EF4-FFF2-40B4-BE49-F238E27FC236}">
+                <a16:creationId xmlns:a16="http://schemas.microsoft.com/office/drawing/2014/main" id="{86C5D5A9-3D6F-5094-F4A6-62D6C8C1F0D2}"/>
+              </a:ext>
+            </a:extLst>
+          </p:cNvPr>
+          <p:cNvPicPr>
+            <a:picLocks noChangeAspect="1" noChangeArrowheads="1"/>
+          </p:cNvPicPr>
+          <p:nvPr/>
+        </p:nvPicPr>
+        <p:blipFill>
+          <a:blip r:embed="rId2">
+            <a:extLst>
+              <a:ext uri="{28A0092B-C50C-407E-A947-70E740481C1C}">
+                <a14:useLocalDpi xmlns:a14="http://schemas.microsoft.com/office/drawing/2010/main" val="0"/>
+              </a:ext>
+            </a:extLst>
+          </a:blip>
+          <a:srcRect/>
+          <a:stretch>
+            <a:fillRect/>
+          </a:stretch>
+        </p:blipFill>
+        <p:spPr bwMode="auto">
+          <a:xfrm>
+            <a:off x="1082474" y="5050679"/>
+            <a:ext cx="2357152" cy="1437288"/>
+          </a:xfrm>
+          <a:prstGeom prst="rect">
+            <a:avLst/>
+          </a:prstGeom>
+          <a:noFill/>
+          <a:extLst>
+            <a:ext uri="{909E8E84-426E-40DD-AFC4-6F175D3DCCD1}">
+              <a14:hiddenFill xmlns:a14="http://schemas.microsoft.com/office/drawing/2010/main">
+                <a:solidFill>
+                  <a:srgbClr val="FFFFFF"/>
+                </a:solidFill>
+              </a14:hiddenFill>
+            </a:ext>
+          </a:extLst>
+        </p:spPr>
+      </p:pic>
+      <p:pic>
+        <p:nvPicPr>
+          <p:cNvPr id="1028" name="Picture 4" descr="Modern design icon of database network ...">
+            <a:extLst>
+              <a:ext uri="{FF2B5EF4-FFF2-40B4-BE49-F238E27FC236}">
+                <a16:creationId xmlns:a16="http://schemas.microsoft.com/office/drawing/2014/main" id="{EE1B20D5-859B-64D1-4EB7-09F092E2A41C}"/>
+              </a:ext>
+            </a:extLst>
+          </p:cNvPr>
+          <p:cNvPicPr>
+            <a:picLocks noChangeAspect="1" noChangeArrowheads="1"/>
+          </p:cNvPicPr>
+          <p:nvPr/>
+        </p:nvPicPr>
+        <p:blipFill>
+          <a:blip r:embed="rId3">
+            <a:extLst>
+              <a:ext uri="{28A0092B-C50C-407E-A947-70E740481C1C}">
+                <a14:useLocalDpi xmlns:a14="http://schemas.microsoft.com/office/drawing/2010/main" val="0"/>
+              </a:ext>
+            </a:extLst>
+          </a:blip>
+          <a:srcRect/>
+          <a:stretch>
+            <a:fillRect/>
+          </a:stretch>
+        </p:blipFill>
+        <p:spPr bwMode="auto">
+          <a:xfrm>
+            <a:off x="4761677" y="5145751"/>
+            <a:ext cx="1256497" cy="1256497"/>
+          </a:xfrm>
+          <a:prstGeom prst="rect">
+            <a:avLst/>
+          </a:prstGeom>
+          <a:noFill/>
+          <a:extLst>
+            <a:ext uri="{909E8E84-426E-40DD-AFC4-6F175D3DCCD1}">
+              <a14:hiddenFill xmlns:a14="http://schemas.microsoft.com/office/drawing/2010/main">
+                <a:solidFill>
+                  <a:srgbClr val="FFFFFF"/>
+                </a:solidFill>
+              </a14:hiddenFill>
+            </a:ext>
+          </a:extLst>
+        </p:spPr>
+      </p:pic>
       <p:sp>
         <p:nvSpPr>
           <p:cNvPr id="2" name="Titel 1">
@@ -3984,7 +4083,12 @@
             <p:ph type="title"/>
           </p:nvPr>
         </p:nvSpPr>
-        <p:spPr/>
+        <p:spPr>
+          <a:xfrm>
+            <a:off x="669522" y="18883"/>
+            <a:ext cx="10515600" cy="1325563"/>
+          </a:xfrm>
+        </p:spPr>
         <p:txBody>
           <a:bodyPr/>
           <a:lstStyle/>
@@ -4010,7 +4114,7 @@
         </p:nvSpPr>
         <p:spPr>
           <a:xfrm>
-            <a:off x="4536489" y="3274750"/>
+            <a:off x="4660779" y="3274750"/>
             <a:ext cx="1660124" cy="752383"/>
           </a:xfrm>
           <a:prstGeom prst="roundRect">
@@ -4147,14 +4251,14 @@
           <p:nvPr/>
         </p:nvPicPr>
         <p:blipFill>
-          <a:blip r:embed="rId2"/>
+          <a:blip r:embed="rId4"/>
           <a:stretch>
             <a:fillRect/>
           </a:stretch>
         </p:blipFill>
         <p:spPr>
           <a:xfrm>
-            <a:off x="1059521" y="1921507"/>
+            <a:off x="952988" y="1548634"/>
             <a:ext cx="2456037" cy="1173469"/>
           </a:xfrm>
           <a:prstGeom prst="rect">
@@ -4176,7 +4280,7 @@
         </p:nvSpPr>
         <p:spPr>
           <a:xfrm>
-            <a:off x="1187887" y="1598187"/>
+            <a:off x="1081354" y="1225314"/>
             <a:ext cx="2274405" cy="276999"/>
           </a:xfrm>
           <a:prstGeom prst="rect">
@@ -4197,53 +4301,6 @@
           </a:p>
         </p:txBody>
       </p:sp>
-      <p:pic>
-        <p:nvPicPr>
-          <p:cNvPr id="3074" name="Picture 2" descr="Database - Free technology icons">
-            <a:extLst>
-              <a:ext uri="{FF2B5EF4-FFF2-40B4-BE49-F238E27FC236}">
-                <a16:creationId xmlns:a16="http://schemas.microsoft.com/office/drawing/2014/main" id="{06BB28A9-ACEE-B7E5-2823-7A19F71E8D68}"/>
-              </a:ext>
-            </a:extLst>
-          </p:cNvPr>
-          <p:cNvPicPr>
-            <a:picLocks noChangeAspect="1" noChangeArrowheads="1"/>
-          </p:cNvPicPr>
-          <p:nvPr/>
-        </p:nvPicPr>
-        <p:blipFill>
-          <a:blip r:embed="rId3">
-            <a:extLst>
-              <a:ext uri="{28A0092B-C50C-407E-A947-70E740481C1C}">
-                <a14:useLocalDpi xmlns:a14="http://schemas.microsoft.com/office/drawing/2010/main" val="0"/>
-              </a:ext>
-            </a:extLst>
-          </a:blip>
-          <a:srcRect/>
-          <a:stretch>
-            <a:fillRect/>
-          </a:stretch>
-        </p:blipFill>
-        <p:spPr bwMode="auto">
-          <a:xfrm>
-            <a:off x="4833150" y="5016388"/>
-            <a:ext cx="1262850" cy="1262850"/>
-          </a:xfrm>
-          <a:prstGeom prst="rect">
-            <a:avLst/>
-          </a:prstGeom>
-          <a:noFill/>
-          <a:extLst>
-            <a:ext uri="{909E8E84-426E-40DD-AFC4-6F175D3DCCD1}">
-              <a14:hiddenFill xmlns:a14="http://schemas.microsoft.com/office/drawing/2010/main">
-                <a:solidFill>
-                  <a:srgbClr val="FFFFFF"/>
-                </a:solidFill>
-              </a14:hiddenFill>
-            </a:ext>
-          </a:extLst>
-        </p:spPr>
-      </p:pic>
       <p:sp>
         <p:nvSpPr>
           <p:cNvPr id="15" name="Textfeld 14">
@@ -4294,7 +4351,7 @@
           <p:nvPr/>
         </p:nvPicPr>
         <p:blipFill>
-          <a:blip r:embed="rId4">
+          <a:blip r:embed="rId5">
             <a:extLst>
               <a:ext uri="{28A0092B-C50C-407E-A947-70E740481C1C}">
                 <a14:useLocalDpi xmlns:a14="http://schemas.microsoft.com/office/drawing/2010/main" val="0"/>
@@ -4326,52 +4383,22 @@
           </a:extLst>
         </p:spPr>
       </p:pic>
-      <p:pic>
-        <p:nvPicPr>
-          <p:cNvPr id="17" name="Grafik 16">
-            <a:extLst>
-              <a:ext uri="{FF2B5EF4-FFF2-40B4-BE49-F238E27FC236}">
-                <a16:creationId xmlns:a16="http://schemas.microsoft.com/office/drawing/2014/main" id="{079A0D3A-F3C8-F831-CF72-E2FCDE59B677}"/>
-              </a:ext>
-            </a:extLst>
-          </p:cNvPr>
-          <p:cNvPicPr>
-            <a:picLocks noChangeAspect="1"/>
-          </p:cNvPicPr>
+      <p:sp>
+        <p:nvSpPr>
+          <p:cNvPr id="18" name="Textfeld 17">
+            <a:extLst>
+              <a:ext uri="{FF2B5EF4-FFF2-40B4-BE49-F238E27FC236}">
+                <a16:creationId xmlns:a16="http://schemas.microsoft.com/office/drawing/2014/main" id="{C4120BA7-47C5-7489-8084-64A289D27D2C}"/>
+              </a:ext>
+            </a:extLst>
+          </p:cNvPr>
+          <p:cNvSpPr txBox="1"/>
           <p:nvPr/>
-        </p:nvPicPr>
-        <p:blipFill>
-          <a:blip r:embed="rId5"/>
-          <a:stretch>
-            <a:fillRect/>
-          </a:stretch>
-        </p:blipFill>
+        </p:nvSpPr>
         <p:spPr>
           <a:xfrm>
-            <a:off x="998002" y="3853204"/>
-            <a:ext cx="2750042" cy="1579632"/>
-          </a:xfrm>
-          <a:prstGeom prst="rect">
-            <a:avLst/>
-          </a:prstGeom>
-        </p:spPr>
-      </p:pic>
-      <p:sp>
-        <p:nvSpPr>
-          <p:cNvPr id="18" name="Textfeld 17">
-            <a:extLst>
-              <a:ext uri="{FF2B5EF4-FFF2-40B4-BE49-F238E27FC236}">
-                <a16:creationId xmlns:a16="http://schemas.microsoft.com/office/drawing/2014/main" id="{C4120BA7-47C5-7489-8084-64A289D27D2C}"/>
-              </a:ext>
-            </a:extLst>
-          </p:cNvPr>
-          <p:cNvSpPr txBox="1"/>
-          <p:nvPr/>
-        </p:nvSpPr>
-        <p:spPr>
-          <a:xfrm>
-            <a:off x="1171607" y="3606033"/>
-            <a:ext cx="2274405" cy="276999"/>
+            <a:off x="1020681" y="4760130"/>
+            <a:ext cx="2745047" cy="276999"/>
           </a:xfrm>
           <a:prstGeom prst="rect">
             <a:avLst/>
@@ -4386,7 +4413,7 @@
           <a:p>
             <a:r>
               <a:rPr lang="en-GB" sz="1200" b="1" dirty="0"/>
-              <a:t>Twelvedata.com Financial Assets</a:t>
+              <a:t>tradingeconomics.com Economic Trends</a:t>
             </a:r>
           </a:p>
         </p:txBody>
@@ -4405,7 +4432,7 @@
         </p:nvSpPr>
         <p:spPr>
           <a:xfrm>
-            <a:off x="932155" y="1828800"/>
+            <a:off x="825622" y="1455927"/>
             <a:ext cx="2885243" cy="1579632"/>
           </a:xfrm>
           <a:prstGeom prst="rect">
@@ -4452,7 +4479,7 @@
         </p:nvSpPr>
         <p:spPr>
           <a:xfrm>
-            <a:off x="924760" y="3827757"/>
+            <a:off x="862614" y="4981854"/>
             <a:ext cx="2885243" cy="1579632"/>
           </a:xfrm>
           <a:prstGeom prst="rect">
@@ -4541,18 +4568,20 @@
               </a:ext>
             </a:extLst>
           </p:cNvPr>
-          <p:cNvCxnSpPr/>
+          <p:cNvCxnSpPr>
+            <a:cxnSpLocks/>
+          </p:cNvCxnSpPr>
           <p:nvPr/>
         </p:nvCxnSpPr>
         <p:spPr>
           <a:xfrm>
-            <a:off x="3923930" y="2379216"/>
-            <a:ext cx="708648" cy="435005"/>
+            <a:off x="3355759" y="2447227"/>
+            <a:ext cx="1024450" cy="623690"/>
           </a:xfrm>
           <a:prstGeom prst="straightConnector1">
             <a:avLst/>
           </a:prstGeom>
-          <a:ln w="76200">
+          <a:ln w="57150">
             <a:solidFill>
               <a:srgbClr val="00B050"/>
             </a:solidFill>
@@ -4590,57 +4619,13 @@
         </p:nvCxnSpPr>
         <p:spPr>
           <a:xfrm flipV="1">
-            <a:off x="3883245" y="4487662"/>
-            <a:ext cx="749333" cy="254120"/>
+            <a:off x="3468902" y="4487662"/>
+            <a:ext cx="1163676" cy="813410"/>
           </a:xfrm>
           <a:prstGeom prst="straightConnector1">
             <a:avLst/>
           </a:prstGeom>
-          <a:ln w="76200">
-            <a:solidFill>
-              <a:srgbClr val="00B050"/>
-            </a:solidFill>
-            <a:tailEnd type="triangle"/>
-          </a:ln>
-        </p:spPr>
-        <p:style>
-          <a:lnRef idx="1">
-            <a:schemeClr val="accent1"/>
-          </a:lnRef>
-          <a:fillRef idx="0">
-            <a:schemeClr val="accent1"/>
-          </a:fillRef>
-          <a:effectRef idx="0">
-            <a:schemeClr val="accent1"/>
-          </a:effectRef>
-          <a:fontRef idx="minor">
-            <a:schemeClr val="tx1"/>
-          </a:fontRef>
-        </p:style>
-      </p:cxnSp>
-      <p:cxnSp>
-        <p:nvCxnSpPr>
-          <p:cNvPr id="25" name="Gerade Verbindung mit Pfeil 24">
-            <a:extLst>
-              <a:ext uri="{FF2B5EF4-FFF2-40B4-BE49-F238E27FC236}">
-                <a16:creationId xmlns:a16="http://schemas.microsoft.com/office/drawing/2014/main" id="{AC1EF8CC-B4D6-FE1A-9803-605F7847091F}"/>
-              </a:ext>
-            </a:extLst>
-          </p:cNvPr>
-          <p:cNvCxnSpPr>
-            <a:cxnSpLocks/>
-          </p:cNvCxnSpPr>
-          <p:nvPr/>
-        </p:nvCxnSpPr>
-        <p:spPr>
-          <a:xfrm>
-            <a:off x="5221611" y="4487662"/>
-            <a:ext cx="0" cy="734627"/>
-          </a:xfrm>
-          <a:prstGeom prst="straightConnector1">
-            <a:avLst/>
-          </a:prstGeom>
-          <a:ln w="76200">
+          <a:ln w="57150">
             <a:solidFill>
               <a:srgbClr val="00B050"/>
             </a:solidFill>
@@ -4685,7 +4670,7 @@
           <a:prstGeom prst="straightConnector1">
             <a:avLst/>
           </a:prstGeom>
-          <a:ln w="76200">
+          <a:ln w="57150">
             <a:solidFill>
               <a:srgbClr val="00B050"/>
             </a:solidFill>
@@ -4721,7 +4706,7 @@
         </p:nvGrpSpPr>
         <p:grpSpPr>
           <a:xfrm>
-            <a:off x="5810645" y="4606402"/>
+            <a:off x="5535435" y="4677425"/>
             <a:ext cx="507568" cy="408766"/>
             <a:chOff x="4714043" y="1598187"/>
             <a:chExt cx="507568" cy="408766"/>
@@ -4805,7 +4790,7 @@
             <a:p>
               <a:r>
                 <a:rPr lang="en-GB" dirty="0"/>
-                <a:t>3</a:t>
+                <a:t>5</a:t>
               </a:r>
             </a:p>
           </p:txBody>
@@ -4825,7 +4810,7 @@
         </p:nvGrpSpPr>
         <p:grpSpPr>
           <a:xfrm>
-            <a:off x="4114143" y="1967113"/>
+            <a:off x="3812299" y="2206816"/>
             <a:ext cx="507568" cy="408766"/>
             <a:chOff x="4714043" y="1598187"/>
             <a:chExt cx="507568" cy="408766"/>
@@ -4875,7 +4860,7 @@
             <a:lstStyle/>
             <a:p>
               <a:pPr algn="ctr"/>
-              <a:endParaRPr lang="en-GB"/>
+              <a:endParaRPr lang="en-GB" dirty="0"/>
             </a:p>
           </p:txBody>
         </p:sp>
@@ -4893,7 +4878,7 @@
           </p:nvSpPr>
           <p:spPr>
             <a:xfrm>
-              <a:off x="4811699" y="1624610"/>
+              <a:off x="4811699" y="1606854"/>
               <a:ext cx="301686" cy="369332"/>
             </a:xfrm>
             <a:prstGeom prst="rect">
@@ -4909,7 +4894,7 @@
             <a:p>
               <a:r>
                 <a:rPr lang="en-GB" dirty="0"/>
-                <a:t>1</a:t>
+                <a:t>2</a:t>
               </a:r>
             </a:p>
           </p:txBody>
@@ -4929,7 +4914,7 @@
         </p:nvGrpSpPr>
         <p:grpSpPr>
           <a:xfrm>
-            <a:off x="3909843" y="4006337"/>
+            <a:off x="3971512" y="4965288"/>
             <a:ext cx="507568" cy="408766"/>
             <a:chOff x="4714043" y="1598187"/>
             <a:chExt cx="507568" cy="408766"/>
@@ -5013,7 +4998,7 @@
             <a:p>
               <a:r>
                 <a:rPr lang="en-GB" dirty="0"/>
-                <a:t>2</a:t>
+                <a:t>3</a:t>
               </a:r>
             </a:p>
           </p:txBody>
@@ -5117,7 +5102,7 @@
             <a:p>
               <a:r>
                 <a:rPr lang="en-GB" dirty="0"/>
-                <a:t>4</a:t>
+                <a:t>6</a:t>
               </a:r>
             </a:p>
           </p:txBody>
@@ -5137,13 +5122,13 @@
         </p:nvSpPr>
         <p:spPr>
           <a:xfrm>
-            <a:off x="5646198" y="221942"/>
-            <a:ext cx="5897815" cy="2151754"/>
+            <a:off x="5780802" y="303953"/>
+            <a:ext cx="5897815" cy="1579632"/>
           </a:xfrm>
           <a:prstGeom prst="wedgeRoundRectCallout">
             <a:avLst>
-              <a:gd name="adj1" fmla="val -46874"/>
-              <a:gd name="adj2" fmla="val 83954"/>
+              <a:gd name="adj1" fmla="val -55755"/>
+              <a:gd name="adj2" fmla="val 93330"/>
               <a:gd name="adj3" fmla="val 16667"/>
             </a:avLst>
           </a:prstGeom>
@@ -5189,8 +5174,8 @@
         </p:nvSpPr>
         <p:spPr>
           <a:xfrm>
-            <a:off x="5810645" y="317152"/>
-            <a:ext cx="5262308" cy="954107"/>
+            <a:off x="5943734" y="413040"/>
+            <a:ext cx="5262308" cy="1384995"/>
           </a:xfrm>
           <a:prstGeom prst="rect">
             <a:avLst/>
@@ -5208,6 +5193,15 @@
             </a:pPr>
             <a:r>
               <a:rPr lang="en-GB" sz="1400" dirty="0"/>
+              <a:t>For every record on your Stock Wallet…</a:t>
+            </a:r>
+          </a:p>
+          <a:p>
+            <a:pPr marL="342900" indent="-342900">
+              <a:buAutoNum type="arabicPeriod"/>
+            </a:pPr>
+            <a:r>
+              <a:rPr lang="en-GB" sz="1400" dirty="0"/>
               <a:t>Fetch real-time stock prices from </a:t>
             </a:r>
             <a:r>
@@ -5239,8 +5233,12 @@
               <a:buAutoNum type="arabicPeriod"/>
             </a:pPr>
             <a:r>
-              <a:rPr lang="en-GB" sz="1400" dirty="0"/>
-              <a:t>Fetch and Update the stocks you have outstanding cloud DB</a:t>
+              <a:rPr lang="en-GB" sz="1400" b="1" i="1" dirty="0">
+                <a:solidFill>
+                  <a:srgbClr val="FF0000"/>
+                </a:solidFill>
+              </a:rPr>
+              <a:t>Reasoning…</a:t>
             </a:r>
           </a:p>
           <a:p>
@@ -5249,6 +5247,15 @@
             </a:pPr>
             <a:r>
               <a:rPr lang="en-GB" sz="1400" dirty="0"/>
+              <a:t>Update the stock records on cloud Database</a:t>
+            </a:r>
+          </a:p>
+          <a:p>
+            <a:pPr marL="342900" indent="-342900">
+              <a:buAutoNum type="arabicPeriod"/>
+            </a:pPr>
+            <a:r>
+              <a:rPr lang="en-GB" sz="1400" dirty="0"/>
               <a:t>Send out </a:t>
             </a:r>
             <a:r>
@@ -5257,7 +5264,7 @@
             </a:r>
             <a:r>
               <a:rPr lang="en-GB" sz="1400" dirty="0"/>
-              <a:t> notifications on big price range Rise or Fall</a:t>
+              <a:t> notifications on unexpected price Rise or Fall</a:t>
             </a:r>
           </a:p>
         </p:txBody>
@@ -5276,13 +5283,13 @@
         </p:nvSpPr>
         <p:spPr>
           <a:xfrm>
-            <a:off x="6658252" y="4003823"/>
-            <a:ext cx="4885760" cy="2442427"/>
+            <a:off x="6549775" y="4003823"/>
+            <a:ext cx="4994237" cy="2442427"/>
           </a:xfrm>
           <a:prstGeom prst="cloudCallout">
             <a:avLst>
-              <a:gd name="adj1" fmla="val -45833"/>
-              <a:gd name="adj2" fmla="val -47737"/>
+              <a:gd name="adj1" fmla="val -49921"/>
+              <a:gd name="adj2" fmla="val -47374"/>
             </a:avLst>
           </a:prstGeom>
           <a:noFill/>
@@ -5344,7 +5351,7 @@
           <a:lstStyle/>
           <a:p>
             <a:r>
-              <a:rPr lang="en-GB" dirty="0"/>
+              <a:rPr lang="en-GB" b="1" i="1" dirty="0"/>
               <a:t>I work ….</a:t>
             </a:r>
           </a:p>
@@ -5421,6 +5428,371 @@
           </a:extLst>
         </p:spPr>
       </p:pic>
+      <p:sp>
+        <p:nvSpPr>
+          <p:cNvPr id="4" name="Textfeld 3">
+            <a:extLst>
+              <a:ext uri="{FF2B5EF4-FFF2-40B4-BE49-F238E27FC236}">
+                <a16:creationId xmlns:a16="http://schemas.microsoft.com/office/drawing/2014/main" id="{7FD2991C-C427-E1B8-194C-A8EA13558312}"/>
+              </a:ext>
+            </a:extLst>
+          </p:cNvPr>
+          <p:cNvSpPr txBox="1"/>
+          <p:nvPr/>
+        </p:nvSpPr>
+        <p:spPr>
+          <a:xfrm>
+            <a:off x="197953" y="3506061"/>
+            <a:ext cx="742832" cy="307777"/>
+          </a:xfrm>
+          <a:prstGeom prst="rect">
+            <a:avLst/>
+          </a:prstGeom>
+          <a:noFill/>
+        </p:spPr>
+        <p:txBody>
+          <a:bodyPr wrap="none" rtlCol="0">
+            <a:spAutoFit/>
+          </a:bodyPr>
+          <a:lstStyle/>
+          <a:p>
+            <a:r>
+              <a:rPr lang="en-GB" sz="1400" b="1" dirty="0"/>
+              <a:t>Prompt</a:t>
+            </a:r>
+          </a:p>
+        </p:txBody>
+      </p:sp>
+      <p:sp>
+        <p:nvSpPr>
+          <p:cNvPr id="10" name="Textfeld 9">
+            <a:extLst>
+              <a:ext uri="{FF2B5EF4-FFF2-40B4-BE49-F238E27FC236}">
+                <a16:creationId xmlns:a16="http://schemas.microsoft.com/office/drawing/2014/main" id="{8A44622C-C9EF-7BAB-A549-47B429823662}"/>
+              </a:ext>
+            </a:extLst>
+          </p:cNvPr>
+          <p:cNvSpPr txBox="1"/>
+          <p:nvPr/>
+        </p:nvSpPr>
+        <p:spPr>
+          <a:xfrm>
+            <a:off x="216329" y="3681783"/>
+            <a:ext cx="3533750" cy="646331"/>
+          </a:xfrm>
+          <a:prstGeom prst="rect">
+            <a:avLst/>
+          </a:prstGeom>
+          <a:noFill/>
+        </p:spPr>
+        <p:txBody>
+          <a:bodyPr wrap="square" rtlCol="0">
+            <a:spAutoFit/>
+          </a:bodyPr>
+          <a:lstStyle/>
+          <a:p>
+            <a:r>
+              <a:rPr lang="en-GB" sz="1200" dirty="0"/>
+              <a:t>For each stock record incrementally buy or sell stocks on my wallet given actual prices and economic trends and notify when price deviates thresholds….</a:t>
+            </a:r>
+          </a:p>
+        </p:txBody>
+      </p:sp>
+      <p:cxnSp>
+        <p:nvCxnSpPr>
+          <p:cNvPr id="16" name="Gerade Verbindung mit Pfeil 15">
+            <a:extLst>
+              <a:ext uri="{FF2B5EF4-FFF2-40B4-BE49-F238E27FC236}">
+                <a16:creationId xmlns:a16="http://schemas.microsoft.com/office/drawing/2014/main" id="{B2C508B1-D4E8-09F5-4F78-916C88A91E31}"/>
+              </a:ext>
+            </a:extLst>
+          </p:cNvPr>
+          <p:cNvCxnSpPr>
+            <a:cxnSpLocks/>
+          </p:cNvCxnSpPr>
+          <p:nvPr/>
+        </p:nvCxnSpPr>
+        <p:spPr>
+          <a:xfrm flipH="1">
+            <a:off x="5389926" y="4363626"/>
+            <a:ext cx="6376" cy="841592"/>
+          </a:xfrm>
+          <a:prstGeom prst="straightConnector1">
+            <a:avLst/>
+          </a:prstGeom>
+          <a:ln w="57150">
+            <a:solidFill>
+              <a:srgbClr val="00B050"/>
+            </a:solidFill>
+            <a:headEnd type="triangle"/>
+            <a:tailEnd type="triangle"/>
+          </a:ln>
+        </p:spPr>
+        <p:style>
+          <a:lnRef idx="1">
+            <a:schemeClr val="accent1"/>
+          </a:lnRef>
+          <a:fillRef idx="0">
+            <a:schemeClr val="accent1"/>
+          </a:fillRef>
+          <a:effectRef idx="0">
+            <a:schemeClr val="accent1"/>
+          </a:effectRef>
+          <a:fontRef idx="minor">
+            <a:schemeClr val="tx1"/>
+          </a:fontRef>
+        </p:style>
+      </p:cxnSp>
+      <p:sp>
+        <p:nvSpPr>
+          <p:cNvPr id="24" name="Pfeil: nach rechts 23">
+            <a:extLst>
+              <a:ext uri="{FF2B5EF4-FFF2-40B4-BE49-F238E27FC236}">
+                <a16:creationId xmlns:a16="http://schemas.microsoft.com/office/drawing/2014/main" id="{DDBE8CB8-C5E8-4D7B-0BEC-58E6D929329F}"/>
+              </a:ext>
+            </a:extLst>
+          </p:cNvPr>
+          <p:cNvSpPr/>
+          <p:nvPr/>
+        </p:nvSpPr>
+        <p:spPr>
+          <a:xfrm>
+            <a:off x="213063" y="3119842"/>
+            <a:ext cx="4140512" cy="1606951"/>
+          </a:xfrm>
+          <a:prstGeom prst="rightArrow">
+            <a:avLst/>
+          </a:prstGeom>
+          <a:noFill/>
+          <a:ln w="28575">
+            <a:solidFill>
+              <a:srgbClr val="FF0000"/>
+            </a:solidFill>
+          </a:ln>
+        </p:spPr>
+        <p:style>
+          <a:lnRef idx="2">
+            <a:schemeClr val="accent1">
+              <a:shade val="15000"/>
+            </a:schemeClr>
+          </a:lnRef>
+          <a:fillRef idx="1">
+            <a:schemeClr val="accent1"/>
+          </a:fillRef>
+          <a:effectRef idx="0">
+            <a:schemeClr val="accent1"/>
+          </a:effectRef>
+          <a:fontRef idx="minor">
+            <a:schemeClr val="lt1"/>
+          </a:fontRef>
+        </p:style>
+        <p:txBody>
+          <a:bodyPr rtlCol="0" anchor="ctr"/>
+          <a:lstStyle/>
+          <a:p>
+            <a:pPr algn="ctr"/>
+            <a:endParaRPr lang="en-GB"/>
+          </a:p>
+        </p:txBody>
+      </p:sp>
+      <p:grpSp>
+        <p:nvGrpSpPr>
+          <p:cNvPr id="30" name="Gruppieren 29">
+            <a:extLst>
+              <a:ext uri="{FF2B5EF4-FFF2-40B4-BE49-F238E27FC236}">
+                <a16:creationId xmlns:a16="http://schemas.microsoft.com/office/drawing/2014/main" id="{038264CE-E280-3750-4045-BFF12025AE9D}"/>
+              </a:ext>
+            </a:extLst>
+          </p:cNvPr>
+          <p:cNvGrpSpPr/>
+          <p:nvPr/>
+        </p:nvGrpSpPr>
+        <p:grpSpPr>
+          <a:xfrm>
+            <a:off x="4764203" y="4696288"/>
+            <a:ext cx="507568" cy="408766"/>
+            <a:chOff x="4714043" y="1598187"/>
+            <a:chExt cx="507568" cy="408766"/>
+          </a:xfrm>
+        </p:grpSpPr>
+        <p:sp>
+          <p:nvSpPr>
+            <p:cNvPr id="31" name="Ellipse 30">
+              <a:extLst>
+                <a:ext uri="{FF2B5EF4-FFF2-40B4-BE49-F238E27FC236}">
+                  <a16:creationId xmlns:a16="http://schemas.microsoft.com/office/drawing/2014/main" id="{DDD47C10-0291-4BDE-843C-31A3ABEA533A}"/>
+                </a:ext>
+              </a:extLst>
+            </p:cNvPr>
+            <p:cNvSpPr/>
+            <p:nvPr/>
+          </p:nvSpPr>
+          <p:spPr>
+            <a:xfrm>
+              <a:off x="4714043" y="1598187"/>
+              <a:ext cx="507568" cy="408766"/>
+            </a:xfrm>
+            <a:prstGeom prst="ellipse">
+              <a:avLst/>
+            </a:prstGeom>
+            <a:noFill/>
+            <a:ln w="19050"/>
+          </p:spPr>
+          <p:style>
+            <a:lnRef idx="2">
+              <a:schemeClr val="accent1">
+                <a:shade val="15000"/>
+              </a:schemeClr>
+            </a:lnRef>
+            <a:fillRef idx="1">
+              <a:schemeClr val="accent1"/>
+            </a:fillRef>
+            <a:effectRef idx="0">
+              <a:schemeClr val="accent1"/>
+            </a:effectRef>
+            <a:fontRef idx="minor">
+              <a:schemeClr val="lt1"/>
+            </a:fontRef>
+          </p:style>
+          <p:txBody>
+            <a:bodyPr rtlCol="0" anchor="ctr"/>
+            <a:lstStyle/>
+            <a:p>
+              <a:pPr algn="ctr"/>
+              <a:endParaRPr lang="en-GB"/>
+            </a:p>
+          </p:txBody>
+        </p:sp>
+        <p:sp>
+          <p:nvSpPr>
+            <p:cNvPr id="3076" name="Textfeld 3075">
+              <a:extLst>
+                <a:ext uri="{FF2B5EF4-FFF2-40B4-BE49-F238E27FC236}">
+                  <a16:creationId xmlns:a16="http://schemas.microsoft.com/office/drawing/2014/main" id="{73767CFD-FF96-CF8A-B980-B731A5A89AE1}"/>
+                </a:ext>
+              </a:extLst>
+            </p:cNvPr>
+            <p:cNvSpPr txBox="1"/>
+            <p:nvPr/>
+          </p:nvSpPr>
+          <p:spPr>
+            <a:xfrm>
+              <a:off x="4811699" y="1624610"/>
+              <a:ext cx="301686" cy="369332"/>
+            </a:xfrm>
+            <a:prstGeom prst="rect">
+              <a:avLst/>
+            </a:prstGeom>
+            <a:noFill/>
+          </p:spPr>
+          <p:txBody>
+            <a:bodyPr wrap="none" rtlCol="0">
+              <a:spAutoFit/>
+            </a:bodyPr>
+            <a:lstStyle/>
+            <a:p>
+              <a:r>
+                <a:rPr lang="en-GB" dirty="0"/>
+                <a:t>1</a:t>
+              </a:r>
+            </a:p>
+          </p:txBody>
+        </p:sp>
+      </p:grpSp>
+      <p:sp>
+        <p:nvSpPr>
+          <p:cNvPr id="3093" name="Ellipse 3092">
+            <a:extLst>
+              <a:ext uri="{FF2B5EF4-FFF2-40B4-BE49-F238E27FC236}">
+                <a16:creationId xmlns:a16="http://schemas.microsoft.com/office/drawing/2014/main" id="{7A015DDF-2DAC-5B29-DF3D-8897E40A8DDF}"/>
+              </a:ext>
+            </a:extLst>
+          </p:cNvPr>
+          <p:cNvSpPr/>
+          <p:nvPr/>
+        </p:nvSpPr>
+        <p:spPr>
+          <a:xfrm>
+            <a:off x="5689950" y="2843929"/>
+            <a:ext cx="507568" cy="408766"/>
+          </a:xfrm>
+          <a:prstGeom prst="ellipse">
+            <a:avLst/>
+          </a:prstGeom>
+          <a:noFill/>
+          <a:ln w="19050">
+            <a:solidFill>
+              <a:srgbClr val="FF0000"/>
+            </a:solidFill>
+          </a:ln>
+        </p:spPr>
+        <p:style>
+          <a:lnRef idx="2">
+            <a:schemeClr val="accent1">
+              <a:shade val="15000"/>
+            </a:schemeClr>
+          </a:lnRef>
+          <a:fillRef idx="1">
+            <a:schemeClr val="accent1"/>
+          </a:fillRef>
+          <a:effectRef idx="0">
+            <a:schemeClr val="accent1"/>
+          </a:effectRef>
+          <a:fontRef idx="minor">
+            <a:schemeClr val="lt1"/>
+          </a:fontRef>
+        </p:style>
+        <p:txBody>
+          <a:bodyPr rtlCol="0" anchor="ctr"/>
+          <a:lstStyle/>
+          <a:p>
+            <a:pPr algn="ctr"/>
+            <a:endParaRPr lang="en-GB"/>
+          </a:p>
+        </p:txBody>
+      </p:sp>
+      <p:sp>
+        <p:nvSpPr>
+          <p:cNvPr id="3094" name="Textfeld 3093">
+            <a:extLst>
+              <a:ext uri="{FF2B5EF4-FFF2-40B4-BE49-F238E27FC236}">
+                <a16:creationId xmlns:a16="http://schemas.microsoft.com/office/drawing/2014/main" id="{2435B69A-286B-647D-5ACF-86E952FF1671}"/>
+              </a:ext>
+            </a:extLst>
+          </p:cNvPr>
+          <p:cNvSpPr txBox="1"/>
+          <p:nvPr/>
+        </p:nvSpPr>
+        <p:spPr>
+          <a:xfrm>
+            <a:off x="5787606" y="2870352"/>
+            <a:ext cx="301686" cy="369332"/>
+          </a:xfrm>
+          <a:prstGeom prst="rect">
+            <a:avLst/>
+          </a:prstGeom>
+          <a:noFill/>
+          <a:ln>
+            <a:noFill/>
+          </a:ln>
+        </p:spPr>
+        <p:txBody>
+          <a:bodyPr wrap="none" rtlCol="0">
+            <a:spAutoFit/>
+          </a:bodyPr>
+          <a:lstStyle/>
+          <a:p>
+            <a:r>
+              <a:rPr lang="en-GB" dirty="0">
+                <a:solidFill>
+                  <a:srgbClr val="FF0000"/>
+                </a:solidFill>
+              </a:rPr>
+              <a:t>4</a:t>
+            </a:r>
+          </a:p>
+        </p:txBody>
+      </p:sp>
     </p:spTree>
     <p:extLst>
       <p:ext uri="{BB962C8B-B14F-4D97-AF65-F5344CB8AC3E}">

--- a/ppt/ai-trader.pptx
+++ b/ppt/ai-trader.pptx
@@ -4706,7 +4706,7 @@
         </p:nvGrpSpPr>
         <p:grpSpPr>
           <a:xfrm>
-            <a:off x="5535435" y="4677425"/>
+            <a:off x="5517679" y="4712937"/>
             <a:ext cx="507568" cy="408766"/>
             <a:chOff x="4714043" y="1598187"/>
             <a:chExt cx="507568" cy="408766"/>
@@ -5127,8 +5127,8 @@
           </a:xfrm>
           <a:prstGeom prst="wedgeRoundRectCallout">
             <a:avLst>
-              <a:gd name="adj1" fmla="val -55755"/>
-              <a:gd name="adj2" fmla="val 93330"/>
+              <a:gd name="adj1" fmla="val -56056"/>
+              <a:gd name="adj2" fmla="val 86586"/>
               <a:gd name="adj3" fmla="val 16667"/>
             </a:avLst>
           </a:prstGeom>
@@ -5867,7 +5867,12 @@
             <p:ph idx="1"/>
           </p:nvPr>
         </p:nvSpPr>
-        <p:spPr/>
+        <p:spPr>
+          <a:xfrm>
+            <a:off x="838199" y="1825625"/>
+            <a:ext cx="10711649" cy="4351338"/>
+          </a:xfrm>
+        </p:spPr>
         <p:txBody>
           <a:bodyPr/>
           <a:lstStyle/>
@@ -5875,6 +5880,36 @@
             <a:r>
               <a:rPr lang="en-GB" dirty="0"/>
               <a:t>Works round the clock, 24/7, 365 days</a:t>
+            </a:r>
+          </a:p>
+          <a:p>
+            <a:r>
+              <a:rPr lang="en-GB" dirty="0"/>
+              <a:t>Access to most actual real-time Stock prices and other Financial Assets</a:t>
+            </a:r>
+          </a:p>
+          <a:p>
+            <a:r>
+              <a:rPr lang="en-GB" dirty="0"/>
+              <a:t>Access to World Economic Trends that potentially influence prices</a:t>
+            </a:r>
+          </a:p>
+          <a:p>
+            <a:r>
+              <a:rPr lang="en-GB" dirty="0"/>
+              <a:t>Forecasts based on Historical and Real-Time Financial and Economic Trends</a:t>
+            </a:r>
+          </a:p>
+          <a:p>
+            <a:r>
+              <a:rPr lang="en-GB" dirty="0"/>
+              <a:t>Buys &amp; Sells based on its Reasoning based on Real-Time Facts.</a:t>
+            </a:r>
+          </a:p>
+          <a:p>
+            <a:r>
+              <a:rPr lang="en-GB" dirty="0"/>
+              <a:t>Notifies when Prices fall below Predefined and Configured Thresholds</a:t>
             </a:r>
           </a:p>
           <a:p>
@@ -5969,47 +6004,57 @@
           <a:p>
             <a:r>
               <a:rPr lang="en-GB" dirty="0"/>
-              <a:t>To demonstrate the technology underneath</a:t>
+              <a:t>Focus on showcasing technologies</a:t>
             </a:r>
           </a:p>
           <a:p>
             <a:pPr lvl="1"/>
             <a:r>
               <a:rPr lang="en-GB" dirty="0"/>
-              <a:t>Demonstrating End-to-End software development process</a:t>
-            </a:r>
-          </a:p>
-          <a:p>
-            <a:pPr lvl="2"/>
+              <a:t>Spring AI</a:t>
+            </a:r>
+          </a:p>
+          <a:p>
+            <a:pPr lvl="1"/>
             <a:r>
               <a:rPr lang="en-GB" dirty="0"/>
-              <a:t>From Java /Spring development</a:t>
-            </a:r>
-          </a:p>
-          <a:p>
-            <a:pPr lvl="2"/>
+              <a:t>MS Azure AI Foundry</a:t>
+            </a:r>
+          </a:p>
+          <a:p>
+            <a:pPr lvl="1"/>
             <a:r>
               <a:rPr lang="en-GB" dirty="0"/>
-              <a:t>Gradle build and </a:t>
-            </a:r>
-            <a:r>
-              <a:rPr lang="en-GB" dirty="0" err="1"/>
-              <a:t>SpringBoot</a:t>
-            </a:r>
+              <a:t>Azure DevOps</a:t>
+            </a:r>
+          </a:p>
+          <a:p>
+            <a:pPr lvl="1"/>
             <a:r>
               <a:rPr lang="en-GB" dirty="0"/>
-              <a:t> jar package</a:t>
-            </a:r>
-          </a:p>
-          <a:p>
-            <a:pPr lvl="2"/>
+              <a:t>Terraform</a:t>
+            </a:r>
+          </a:p>
+          <a:p>
+            <a:pPr lvl="1"/>
             <a:r>
               <a:rPr lang="en-GB" dirty="0"/>
-              <a:t>DevOps pipeline Test</a:t>
-            </a:r>
-          </a:p>
-          <a:p>
-            <a:pPr lvl="2"/>
+              <a:t>Gradle</a:t>
+            </a:r>
+          </a:p>
+          <a:p>
+            <a:pPr lvl="1"/>
+            <a:r>
+              <a:rPr lang="en-GB" dirty="0"/>
+              <a:t>HELM</a:t>
+            </a:r>
+          </a:p>
+          <a:p>
+            <a:pPr lvl="1"/>
+            <a:r>
+              <a:rPr lang="en-GB"/>
+              <a:t>…</a:t>
+            </a:r>
             <a:endParaRPr lang="en-GB" dirty="0"/>
           </a:p>
         </p:txBody>

--- a/ppt/ai-trader.pptx
+++ b/ppt/ai-trader.pptx
@@ -3409,13 +3409,13 @@
           <a:p>
             <a:r>
               <a:rPr lang="en-GB" dirty="0"/>
-              <a:t>Understanding International Economic &amp; Political Trends</a:t>
+              <a:t>Understanding/interpreting international Economic &amp; Political Trends</a:t>
             </a:r>
           </a:p>
           <a:p>
             <a:r>
               <a:rPr lang="en-GB" dirty="0"/>
-              <a:t>Buys or Sells based on Justifications and Predictions</a:t>
+              <a:t>Buys or sells based on Experiences and Forecasts</a:t>
             </a:r>
           </a:p>
         </p:txBody>
@@ -3858,7 +3858,7 @@
           <a:p>
             <a:r>
               <a:rPr lang="en-GB" dirty="0"/>
-              <a:t>Agentic AI?</a:t>
+              <a:t>Agentic AI and AI Agents</a:t>
             </a:r>
           </a:p>
         </p:txBody>
@@ -3886,59 +3886,76 @@
           <a:p>
             <a:r>
               <a:rPr lang="en-GB" dirty="0"/>
-              <a:t>Agents act Autonomously without Human intervention</a:t>
+              <a:t>AI Agents act Autonomously without Human intervention</a:t>
             </a:r>
           </a:p>
           <a:p>
             <a:r>
               <a:rPr lang="en-GB" dirty="0"/>
-              <a:t>Agents reason based on the AI Model they were given</a:t>
+              <a:t>AI Agents reasoning based on the AI Model they were provided</a:t>
             </a:r>
           </a:p>
           <a:p>
             <a:pPr lvl="1"/>
             <a:r>
               <a:rPr lang="en-GB" dirty="0"/>
-              <a:t>Knowledge cut-off constraints what they can reason about</a:t>
-            </a:r>
-          </a:p>
-          <a:p>
+              <a:t>AI Models knowledge is limited to the content they were trained on</a:t>
+            </a:r>
+          </a:p>
+          <a:p>
+            <a:pPr lvl="1"/>
             <a:r>
               <a:rPr lang="en-GB" dirty="0"/>
-              <a:t>Agents are given Tools…</a:t>
+              <a:t>AI Models not aware of real-time data</a:t>
+            </a:r>
+          </a:p>
+          <a:p>
+            <a:r>
+              <a:rPr lang="en-GB" dirty="0"/>
+              <a:t>AI Agents are provided Tools…</a:t>
             </a:r>
           </a:p>
           <a:p>
             <a:pPr lvl="1"/>
             <a:r>
               <a:rPr lang="en-GB" dirty="0"/>
-              <a:t>Tools: to Fetch real-time data to Augment their </a:t>
+              <a:t>Tools: Fetch real-time data to Augment the AI Model’s Knowledge</a:t>
+            </a:r>
+          </a:p>
+          <a:p>
+            <a:pPr lvl="1"/>
+            <a:r>
+              <a:rPr lang="en-GB" dirty="0"/>
+              <a:t>Tools: Act :</a:t>
+            </a:r>
+          </a:p>
+          <a:p>
+            <a:pPr lvl="2"/>
+            <a:r>
+              <a:rPr lang="en-GB" dirty="0"/>
+              <a:t>Send notifications (mail, </a:t>
             </a:r>
             <a:r>
               <a:rPr lang="en-GB" dirty="0" err="1"/>
-              <a:t>Knowlegde</a:t>
-            </a:r>
-            <a:endParaRPr lang="en-GB" dirty="0"/>
-          </a:p>
-          <a:p>
-            <a:pPr lvl="1"/>
+              <a:t>WhatsUp</a:t>
+            </a:r>
             <a:r>
               <a:rPr lang="en-GB" dirty="0"/>
-              <a:t>Tools: to Act </a:t>
+              <a:t>, Teams,…)</a:t>
             </a:r>
           </a:p>
           <a:p>
             <a:pPr lvl="2"/>
             <a:r>
               <a:rPr lang="en-GB" dirty="0"/>
-              <a:t>Send notification</a:t>
+              <a:t>Change DB content, add orders, update records …</a:t>
             </a:r>
           </a:p>
           <a:p>
             <a:pPr lvl="2"/>
             <a:r>
               <a:rPr lang="en-GB" dirty="0"/>
-              <a:t>Change DB content, add order, add records …</a:t>
+              <a:t>Generate statistics…</a:t>
             </a:r>
           </a:p>
         </p:txBody>
@@ -5869,7 +5886,7 @@
         </p:nvSpPr>
         <p:spPr>
           <a:xfrm>
-            <a:off x="838199" y="1825625"/>
+            <a:off x="838199" y="1701333"/>
             <a:ext cx="10711649" cy="4351338"/>
           </a:xfrm>
         </p:spPr>
@@ -5891,25 +5908,35 @@
           <a:p>
             <a:r>
               <a:rPr lang="en-GB" dirty="0"/>
-              <a:t>Access to World Economic Trends that potentially influence prices</a:t>
-            </a:r>
-          </a:p>
-          <a:p>
+              <a:t>Access to world-wide economic Trends that impact Stock Markets</a:t>
+            </a:r>
+          </a:p>
+          <a:p>
+            <a:r>
+              <a:rPr lang="en-GB"/>
+              <a:t>Forecasts on </a:t>
+            </a:r>
             <a:r>
               <a:rPr lang="en-GB" dirty="0"/>
-              <a:t>Forecasts based on Historical and Real-Time Financial and Economic Trends</a:t>
+              <a:t>Historical and Real-Time Financial and Economic Trends</a:t>
             </a:r>
           </a:p>
           <a:p>
             <a:r>
               <a:rPr lang="en-GB" dirty="0"/>
-              <a:t>Buys &amp; Sells based on its Reasoning based on Real-Time Facts.</a:t>
+              <a:t>Buys &amp; Sells stocks based on its Reasoning considering Real-Time Facts.</a:t>
             </a:r>
           </a:p>
           <a:p>
             <a:r>
               <a:rPr lang="en-GB" dirty="0"/>
               <a:t>Notifies when Prices fall below Predefined and Configured Thresholds</a:t>
+            </a:r>
+          </a:p>
+          <a:p>
+            <a:r>
+              <a:rPr lang="en-GB" dirty="0"/>
+              <a:t>Generates periodical Statistics and Charts on Stock Inventory history</a:t>
             </a:r>
           </a:p>
           <a:p>
@@ -6052,10 +6079,9 @@
           <a:p>
             <a:pPr lvl="1"/>
             <a:r>
-              <a:rPr lang="en-GB"/>
+              <a:rPr lang="en-GB" dirty="0"/>
               <a:t>…</a:t>
             </a:r>
-            <a:endParaRPr lang="en-GB" dirty="0"/>
           </a:p>
         </p:txBody>
       </p:sp>

--- a/ppt/ai-trader.pptx
+++ b/ppt/ai-trader.pptx
@@ -3881,7 +3881,9 @@
         </p:nvSpPr>
         <p:spPr/>
         <p:txBody>
-          <a:bodyPr/>
+          <a:bodyPr>
+            <a:normAutofit fontScale="92500"/>
+          </a:bodyPr>
           <a:lstStyle/>
           <a:p>
             <a:r>
@@ -3892,7 +3894,11 @@
           <a:p>
             <a:r>
               <a:rPr lang="en-GB" dirty="0"/>
-              <a:t>AI Agents reasoning based on the AI Model they were provided</a:t>
+              <a:t>AI Agents reason based on the AI Model they were provided </a:t>
+            </a:r>
+            <a:r>
+              <a:rPr lang="en-GB" b="1" i="1" dirty="0"/>
+              <a:t>(however)</a:t>
             </a:r>
           </a:p>
           <a:p>
@@ -3919,14 +3925,26 @@
             <a:pPr lvl="1"/>
             <a:r>
               <a:rPr lang="en-GB" dirty="0"/>
-              <a:t>Tools: Fetch real-time data to Augment the AI Model’s Knowledge</a:t>
+              <a:t>Tools: </a:t>
+            </a:r>
+            <a:r>
+              <a:rPr lang="en-GB" b="1" dirty="0"/>
+              <a:t>Fetch</a:t>
+            </a:r>
+            <a:r>
+              <a:rPr lang="en-GB" dirty="0"/>
+              <a:t> real-time data to Augment the AI Model’s Knowledge</a:t>
             </a:r>
           </a:p>
           <a:p>
             <a:pPr lvl="1"/>
             <a:r>
               <a:rPr lang="en-GB" dirty="0"/>
-              <a:t>Tools: Act :</a:t>
+              <a:t>Tools: </a:t>
+            </a:r>
+            <a:r>
+              <a:rPr lang="en-GB" b="1" dirty="0"/>
+              <a:t>Act…</a:t>
             </a:r>
           </a:p>
           <a:p>
@@ -3955,7 +3973,14 @@
             <a:pPr lvl="2"/>
             <a:r>
               <a:rPr lang="en-GB" dirty="0"/>
-              <a:t>Generate statistics…</a:t>
+              <a:t>Generate statistics</a:t>
+            </a:r>
+          </a:p>
+          <a:p>
+            <a:pPr lvl="2"/>
+            <a:r>
+              <a:rPr lang="en-GB" dirty="0"/>
+              <a:t>More and More…</a:t>
             </a:r>
           </a:p>
         </p:txBody>
@@ -5913,12 +5938,8 @@
           </a:p>
           <a:p>
             <a:r>
-              <a:rPr lang="en-GB"/>
-              <a:t>Forecasts on </a:t>
-            </a:r>
-            <a:r>
               <a:rPr lang="en-GB" dirty="0"/>
-              <a:t>Historical and Real-Time Financial and Economic Trends</a:t>
+              <a:t>Forecasts on Historical and Real-Time Financial and Economic Trends</a:t>
             </a:r>
           </a:p>
           <a:p>
@@ -6031,8 +6052,13 @@
           <a:p>
             <a:r>
               <a:rPr lang="en-GB" dirty="0"/>
-              <a:t>Focus on showcasing technologies</a:t>
-            </a:r>
+              <a:t>Focus on </a:t>
+            </a:r>
+            <a:r>
+              <a:rPr lang="en-GB"/>
+              <a:t>showcasing technologies…</a:t>
+            </a:r>
+            <a:endParaRPr lang="en-GB" dirty="0"/>
           </a:p>
           <a:p>
             <a:pPr lvl="1"/>

--- a/ppt/ai-trader.pptx
+++ b/ppt/ai-trader.pptx
@@ -3918,7 +3918,11 @@
           <a:p>
             <a:r>
               <a:rPr lang="en-GB" dirty="0"/>
-              <a:t>AI Agents are provided Tools…</a:t>
+              <a:t>AI Agents are provided Tools… </a:t>
+            </a:r>
+            <a:r>
+              <a:rPr lang="en-GB" b="1" dirty="0"/>
+              <a:t>(the solution)</a:t>
             </a:r>
           </a:p>
           <a:p>
@@ -6052,13 +6056,8 @@
           <a:p>
             <a:r>
               <a:rPr lang="en-GB" dirty="0"/>
-              <a:t>Focus on </a:t>
-            </a:r>
-            <a:r>
-              <a:rPr lang="en-GB"/>
-              <a:t>showcasing technologies…</a:t>
-            </a:r>
-            <a:endParaRPr lang="en-GB" dirty="0"/>
+              <a:t>Focus on showcasing technologies…</a:t>
+            </a:r>
           </a:p>
           <a:p>
             <a:pPr lvl="1"/>

--- a/ppt/ai-trader.pptx
+++ b/ppt/ai-trader.pptx
@@ -6050,13 +6050,18 @@
           <a:p>
             <a:r>
               <a:rPr lang="en-GB" dirty="0"/>
-              <a:t>No intention to bring a new product</a:t>
-            </a:r>
+              <a:t>No intention to bring a </a:t>
+            </a:r>
+            <a:r>
+              <a:rPr lang="en-GB"/>
+              <a:t>new Product</a:t>
+            </a:r>
+            <a:endParaRPr lang="en-GB" dirty="0"/>
           </a:p>
           <a:p>
             <a:r>
               <a:rPr lang="en-GB" dirty="0"/>
-              <a:t>Focus on showcasing technologies…</a:t>
+              <a:t>Focus on showcasing Technologies…</a:t>
             </a:r>
           </a:p>
           <a:p>

--- a/ppt/ai-trader.pptx
+++ b/ppt/ai-trader.pptx
@@ -266,7 +266,7 @@
           <a:p>
             <a:fld id="{3D93DC6C-5FE0-415E-B570-6940D882BBCC}" type="datetimeFigureOut">
               <a:rPr lang="en-GB" smtClean="0"/>
-              <a:t>17/05/2025</a:t>
+              <a:t>18/05/2025</a:t>
             </a:fld>
             <a:endParaRPr lang="en-GB"/>
           </a:p>
@@ -466,7 +466,7 @@
           <a:p>
             <a:fld id="{3D93DC6C-5FE0-415E-B570-6940D882BBCC}" type="datetimeFigureOut">
               <a:rPr lang="en-GB" smtClean="0"/>
-              <a:t>17/05/2025</a:t>
+              <a:t>18/05/2025</a:t>
             </a:fld>
             <a:endParaRPr lang="en-GB"/>
           </a:p>
@@ -676,7 +676,7 @@
           <a:p>
             <a:fld id="{3D93DC6C-5FE0-415E-B570-6940D882BBCC}" type="datetimeFigureOut">
               <a:rPr lang="en-GB" smtClean="0"/>
-              <a:t>17/05/2025</a:t>
+              <a:t>18/05/2025</a:t>
             </a:fld>
             <a:endParaRPr lang="en-GB"/>
           </a:p>
@@ -876,7 +876,7 @@
           <a:p>
             <a:fld id="{3D93DC6C-5FE0-415E-B570-6940D882BBCC}" type="datetimeFigureOut">
               <a:rPr lang="en-GB" smtClean="0"/>
-              <a:t>17/05/2025</a:t>
+              <a:t>18/05/2025</a:t>
             </a:fld>
             <a:endParaRPr lang="en-GB"/>
           </a:p>
@@ -1152,7 +1152,7 @@
           <a:p>
             <a:fld id="{3D93DC6C-5FE0-415E-B570-6940D882BBCC}" type="datetimeFigureOut">
               <a:rPr lang="en-GB" smtClean="0"/>
-              <a:t>17/05/2025</a:t>
+              <a:t>18/05/2025</a:t>
             </a:fld>
             <a:endParaRPr lang="en-GB"/>
           </a:p>
@@ -1420,7 +1420,7 @@
           <a:p>
             <a:fld id="{3D93DC6C-5FE0-415E-B570-6940D882BBCC}" type="datetimeFigureOut">
               <a:rPr lang="en-GB" smtClean="0"/>
-              <a:t>17/05/2025</a:t>
+              <a:t>18/05/2025</a:t>
             </a:fld>
             <a:endParaRPr lang="en-GB"/>
           </a:p>
@@ -1835,7 +1835,7 @@
           <a:p>
             <a:fld id="{3D93DC6C-5FE0-415E-B570-6940D882BBCC}" type="datetimeFigureOut">
               <a:rPr lang="en-GB" smtClean="0"/>
-              <a:t>17/05/2025</a:t>
+              <a:t>18/05/2025</a:t>
             </a:fld>
             <a:endParaRPr lang="en-GB"/>
           </a:p>
@@ -1977,7 +1977,7 @@
           <a:p>
             <a:fld id="{3D93DC6C-5FE0-415E-B570-6940D882BBCC}" type="datetimeFigureOut">
               <a:rPr lang="en-GB" smtClean="0"/>
-              <a:t>17/05/2025</a:t>
+              <a:t>18/05/2025</a:t>
             </a:fld>
             <a:endParaRPr lang="en-GB"/>
           </a:p>
@@ -2090,7 +2090,7 @@
           <a:p>
             <a:fld id="{3D93DC6C-5FE0-415E-B570-6940D882BBCC}" type="datetimeFigureOut">
               <a:rPr lang="en-GB" smtClean="0"/>
-              <a:t>17/05/2025</a:t>
+              <a:t>18/05/2025</a:t>
             </a:fld>
             <a:endParaRPr lang="en-GB"/>
           </a:p>
@@ -2403,7 +2403,7 @@
           <a:p>
             <a:fld id="{3D93DC6C-5FE0-415E-B570-6940D882BBCC}" type="datetimeFigureOut">
               <a:rPr lang="en-GB" smtClean="0"/>
-              <a:t>17/05/2025</a:t>
+              <a:t>18/05/2025</a:t>
             </a:fld>
             <a:endParaRPr lang="en-GB"/>
           </a:p>
@@ -2692,7 +2692,7 @@
           <a:p>
             <a:fld id="{3D93DC6C-5FE0-415E-B570-6940D882BBCC}" type="datetimeFigureOut">
               <a:rPr lang="en-GB" smtClean="0"/>
-              <a:t>17/05/2025</a:t>
+              <a:t>18/05/2025</a:t>
             </a:fld>
             <a:endParaRPr lang="en-GB"/>
           </a:p>
@@ -2935,7 +2935,7 @@
           <a:p>
             <a:fld id="{3D93DC6C-5FE0-415E-B570-6940D882BBCC}" type="datetimeFigureOut">
               <a:rPr lang="en-GB" smtClean="0"/>
-              <a:t>17/05/2025</a:t>
+              <a:t>18/05/2025</a:t>
             </a:fld>
             <a:endParaRPr lang="en-GB"/>
           </a:p>
@@ -3955,15 +3955,7 @@
             <a:pPr lvl="2"/>
             <a:r>
               <a:rPr lang="en-GB" dirty="0"/>
-              <a:t>Send notifications (mail, </a:t>
-            </a:r>
-            <a:r>
-              <a:rPr lang="en-GB" dirty="0" err="1"/>
-              <a:t>WhatsUp</a:t>
-            </a:r>
-            <a:r>
-              <a:rPr lang="en-GB" dirty="0"/>
-              <a:t>, Teams,…)</a:t>
+              <a:t>Send notifications (mail, WhatsApp, Teams,…)</a:t>
             </a:r>
           </a:p>
           <a:p>
@@ -5302,15 +5294,7 @@
             </a:pPr>
             <a:r>
               <a:rPr lang="en-GB" sz="1400" dirty="0"/>
-              <a:t>Send out </a:t>
-            </a:r>
-            <a:r>
-              <a:rPr lang="en-GB" sz="1400" dirty="0" err="1"/>
-              <a:t>WhatsUp</a:t>
-            </a:r>
-            <a:r>
-              <a:rPr lang="en-GB" sz="1400" dirty="0"/>
-              <a:t> notifications on unexpected price Rise or Fall</a:t>
+              <a:t>Send out WhatsApp notifications on unexpected price Rise or Fall</a:t>
             </a:r>
           </a:p>
         </p:txBody>

--- a/ppt/ai-trader.pptx
+++ b/ppt/ai-trader.pptx
@@ -266,7 +266,7 @@
           <a:p>
             <a:fld id="{3D93DC6C-5FE0-415E-B570-6940D882BBCC}" type="datetimeFigureOut">
               <a:rPr lang="en-GB" smtClean="0"/>
-              <a:t>18/05/2025</a:t>
+              <a:t>19/05/2025</a:t>
             </a:fld>
             <a:endParaRPr lang="en-GB"/>
           </a:p>
@@ -466,7 +466,7 @@
           <a:p>
             <a:fld id="{3D93DC6C-5FE0-415E-B570-6940D882BBCC}" type="datetimeFigureOut">
               <a:rPr lang="en-GB" smtClean="0"/>
-              <a:t>18/05/2025</a:t>
+              <a:t>19/05/2025</a:t>
             </a:fld>
             <a:endParaRPr lang="en-GB"/>
           </a:p>
@@ -676,7 +676,7 @@
           <a:p>
             <a:fld id="{3D93DC6C-5FE0-415E-B570-6940D882BBCC}" type="datetimeFigureOut">
               <a:rPr lang="en-GB" smtClean="0"/>
-              <a:t>18/05/2025</a:t>
+              <a:t>19/05/2025</a:t>
             </a:fld>
             <a:endParaRPr lang="en-GB"/>
           </a:p>
@@ -876,7 +876,7 @@
           <a:p>
             <a:fld id="{3D93DC6C-5FE0-415E-B570-6940D882BBCC}" type="datetimeFigureOut">
               <a:rPr lang="en-GB" smtClean="0"/>
-              <a:t>18/05/2025</a:t>
+              <a:t>19/05/2025</a:t>
             </a:fld>
             <a:endParaRPr lang="en-GB"/>
           </a:p>
@@ -1152,7 +1152,7 @@
           <a:p>
             <a:fld id="{3D93DC6C-5FE0-415E-B570-6940D882BBCC}" type="datetimeFigureOut">
               <a:rPr lang="en-GB" smtClean="0"/>
-              <a:t>18/05/2025</a:t>
+              <a:t>19/05/2025</a:t>
             </a:fld>
             <a:endParaRPr lang="en-GB"/>
           </a:p>
@@ -1420,7 +1420,7 @@
           <a:p>
             <a:fld id="{3D93DC6C-5FE0-415E-B570-6940D882BBCC}" type="datetimeFigureOut">
               <a:rPr lang="en-GB" smtClean="0"/>
-              <a:t>18/05/2025</a:t>
+              <a:t>19/05/2025</a:t>
             </a:fld>
             <a:endParaRPr lang="en-GB"/>
           </a:p>
@@ -1835,7 +1835,7 @@
           <a:p>
             <a:fld id="{3D93DC6C-5FE0-415E-B570-6940D882BBCC}" type="datetimeFigureOut">
               <a:rPr lang="en-GB" smtClean="0"/>
-              <a:t>18/05/2025</a:t>
+              <a:t>19/05/2025</a:t>
             </a:fld>
             <a:endParaRPr lang="en-GB"/>
           </a:p>
@@ -1977,7 +1977,7 @@
           <a:p>
             <a:fld id="{3D93DC6C-5FE0-415E-B570-6940D882BBCC}" type="datetimeFigureOut">
               <a:rPr lang="en-GB" smtClean="0"/>
-              <a:t>18/05/2025</a:t>
+              <a:t>19/05/2025</a:t>
             </a:fld>
             <a:endParaRPr lang="en-GB"/>
           </a:p>
@@ -2090,7 +2090,7 @@
           <a:p>
             <a:fld id="{3D93DC6C-5FE0-415E-B570-6940D882BBCC}" type="datetimeFigureOut">
               <a:rPr lang="en-GB" smtClean="0"/>
-              <a:t>18/05/2025</a:t>
+              <a:t>19/05/2025</a:t>
             </a:fld>
             <a:endParaRPr lang="en-GB"/>
           </a:p>
@@ -2403,7 +2403,7 @@
           <a:p>
             <a:fld id="{3D93DC6C-5FE0-415E-B570-6940D882BBCC}" type="datetimeFigureOut">
               <a:rPr lang="en-GB" smtClean="0"/>
-              <a:t>18/05/2025</a:t>
+              <a:t>19/05/2025</a:t>
             </a:fld>
             <a:endParaRPr lang="en-GB"/>
           </a:p>
@@ -2692,7 +2692,7 @@
           <a:p>
             <a:fld id="{3D93DC6C-5FE0-415E-B570-6940D882BBCC}" type="datetimeFigureOut">
               <a:rPr lang="en-GB" smtClean="0"/>
-              <a:t>18/05/2025</a:t>
+              <a:t>19/05/2025</a:t>
             </a:fld>
             <a:endParaRPr lang="en-GB"/>
           </a:p>
@@ -2935,7 +2935,7 @@
           <a:p>
             <a:fld id="{3D93DC6C-5FE0-415E-B570-6940D882BBCC}" type="datetimeFigureOut">
               <a:rPr lang="en-GB" smtClean="0"/>
-              <a:t>18/05/2025</a:t>
+              <a:t>19/05/2025</a:t>
             </a:fld>
             <a:endParaRPr lang="en-GB"/>
           </a:p>
@@ -3858,8 +3858,13 @@
           <a:p>
             <a:r>
               <a:rPr lang="en-GB" dirty="0"/>
-              <a:t>Agentic AI and AI Agents</a:t>
-            </a:r>
+              <a:t>Agentic AI and </a:t>
+            </a:r>
+            <a:r>
+              <a:rPr lang="en-GB"/>
+              <a:t>AI Agents (AI Trader)</a:t>
+            </a:r>
+            <a:endParaRPr lang="en-GB" dirty="0"/>
           </a:p>
         </p:txBody>
       </p:sp>

--- a/ppt/ai-trader.pptx
+++ b/ppt/ai-trader.pptx
@@ -3858,13 +3858,8 @@
           <a:p>
             <a:r>
               <a:rPr lang="en-GB" dirty="0"/>
-              <a:t>Agentic AI and </a:t>
-            </a:r>
-            <a:r>
-              <a:rPr lang="en-GB"/>
-              <a:t>AI Agents (AI Trader)</a:t>
-            </a:r>
-            <a:endParaRPr lang="en-GB" dirty="0"/>
+              <a:t>Agentic AI and AI Agents (AI Trader)</a:t>
+            </a:r>
           </a:p>
         </p:txBody>
       </p:sp>
@@ -3893,7 +3888,7 @@
           <a:p>
             <a:r>
               <a:rPr lang="en-GB" dirty="0"/>
-              <a:t>AI Agents act Autonomously without Human intervention</a:t>
+              <a:t>AI Agents act Autonomously without Human Intervention</a:t>
             </a:r>
           </a:p>
           <a:p>
@@ -3910,14 +3905,14 @@
             <a:pPr lvl="1"/>
             <a:r>
               <a:rPr lang="en-GB" dirty="0"/>
-              <a:t>AI Models knowledge is limited to the content they were trained on</a:t>
+              <a:t>AI Models Knowledge is limited to the Content they were trained on</a:t>
             </a:r>
           </a:p>
           <a:p>
             <a:pPr lvl="1"/>
             <a:r>
               <a:rPr lang="en-GB" dirty="0"/>
-              <a:t>AI Models not aware of real-time data</a:t>
+              <a:t>AI Models not aware of real-time Data</a:t>
             </a:r>
           </a:p>
           <a:p>
@@ -3942,7 +3937,7 @@
             </a:r>
             <a:r>
               <a:rPr lang="en-GB" dirty="0"/>
-              <a:t> real-time data to Augment the AI Model’s Knowledge</a:t>
+              <a:t> real-time Data to Augment the AI Model’s Knowledge</a:t>
             </a:r>
           </a:p>
           <a:p>
@@ -3960,21 +3955,21 @@
             <a:pPr lvl="2"/>
             <a:r>
               <a:rPr lang="en-GB" dirty="0"/>
-              <a:t>Send notifications (mail, WhatsApp, Teams,…)</a:t>
+              <a:t>Send Notifications (mail, WhatsApp, Teams,…)</a:t>
             </a:r>
           </a:p>
           <a:p>
             <a:pPr lvl="2"/>
             <a:r>
               <a:rPr lang="en-GB" dirty="0"/>
-              <a:t>Change DB content, add orders, update records …</a:t>
+              <a:t>Change DB content, add Orders, update Records …</a:t>
             </a:r>
           </a:p>
           <a:p>
             <a:pPr lvl="2"/>
             <a:r>
               <a:rPr lang="en-GB" dirty="0"/>
-              <a:t>Generate statistics</a:t>
+              <a:t>Generate Statistics</a:t>
             </a:r>
           </a:p>
           <a:p>

--- a/ppt/ai-trader.pptx
+++ b/ppt/ai-trader.pptx
@@ -3497,40 +3497,12 @@
           <a:chExt cx="0" cy="0"/>
         </a:xfrm>
       </p:grpSpPr>
-      <p:sp>
-        <p:nvSpPr>
-          <p:cNvPr id="2" name="Titel 1">
-            <a:extLst>
-              <a:ext uri="{FF2B5EF4-FFF2-40B4-BE49-F238E27FC236}">
-                <a16:creationId xmlns:a16="http://schemas.microsoft.com/office/drawing/2014/main" id="{F1E5D41A-1F17-4426-18E7-D2D7BDB2BA18}"/>
-              </a:ext>
-            </a:extLst>
-          </p:cNvPr>
-          <p:cNvSpPr>
-            <a:spLocks noGrp="1"/>
-          </p:cNvSpPr>
-          <p:nvPr>
-            <p:ph type="title"/>
-          </p:nvPr>
-        </p:nvSpPr>
-        <p:spPr/>
-        <p:txBody>
-          <a:bodyPr/>
-          <a:lstStyle/>
-          <a:p>
-            <a:r>
-              <a:rPr lang="en-GB" dirty="0"/>
-              <a:t>Farewell Trader, Welcome AI Trader</a:t>
-            </a:r>
-          </a:p>
-        </p:txBody>
-      </p:sp>
       <p:pic>
         <p:nvPicPr>
-          <p:cNvPr id="2060" name="Picture 12" descr="Cartoon Stock Images - Free Download on ...">
-            <a:extLst>
-              <a:ext uri="{FF2B5EF4-FFF2-40B4-BE49-F238E27FC236}">
-                <a16:creationId xmlns:a16="http://schemas.microsoft.com/office/drawing/2014/main" id="{A2AD8A7D-1D1C-F7CF-F893-FB458DD067E3}"/>
+          <p:cNvPr id="2062" name="Picture 14" descr="AI bot Images - Search Images on Everypixel">
+            <a:extLst>
+              <a:ext uri="{FF2B5EF4-FFF2-40B4-BE49-F238E27FC236}">
+                <a16:creationId xmlns:a16="http://schemas.microsoft.com/office/drawing/2014/main" id="{173529D6-5D49-D0E3-0175-BC37521801C4}"/>
               </a:ext>
             </a:extLst>
           </p:cNvPr>
@@ -3541,53 +3513,6 @@
         </p:nvPicPr>
         <p:blipFill>
           <a:blip r:embed="rId2">
-            <a:extLst>
-              <a:ext uri="{28A0092B-C50C-407E-A947-70E740481C1C}">
-                <a14:useLocalDpi xmlns:a14="http://schemas.microsoft.com/office/drawing/2010/main" val="0"/>
-              </a:ext>
-            </a:extLst>
-          </a:blip>
-          <a:srcRect/>
-          <a:stretch>
-            <a:fillRect/>
-          </a:stretch>
-        </p:blipFill>
-        <p:spPr bwMode="auto">
-          <a:xfrm>
-            <a:off x="4642235" y="2515203"/>
-            <a:ext cx="1895475" cy="2409825"/>
-          </a:xfrm>
-          <a:prstGeom prst="rect">
-            <a:avLst/>
-          </a:prstGeom>
-          <a:noFill/>
-          <a:extLst>
-            <a:ext uri="{909E8E84-426E-40DD-AFC4-6F175D3DCCD1}">
-              <a14:hiddenFill xmlns:a14="http://schemas.microsoft.com/office/drawing/2010/main">
-                <a:solidFill>
-                  <a:srgbClr val="FFFFFF"/>
-                </a:solidFill>
-              </a14:hiddenFill>
-            </a:ext>
-          </a:extLst>
-        </p:spPr>
-      </p:pic>
-      <p:pic>
-        <p:nvPicPr>
-          <p:cNvPr id="2062" name="Picture 14" descr="AI bot Images - Search Images on Everypixel">
-            <a:extLst>
-              <a:ext uri="{FF2B5EF4-FFF2-40B4-BE49-F238E27FC236}">
-                <a16:creationId xmlns:a16="http://schemas.microsoft.com/office/drawing/2014/main" id="{173529D6-5D49-D0E3-0175-BC37521801C4}"/>
-              </a:ext>
-            </a:extLst>
-          </p:cNvPr>
-          <p:cNvPicPr>
-            <a:picLocks noChangeAspect="1" noChangeArrowheads="1"/>
-          </p:cNvPicPr>
-          <p:nvPr/>
-        </p:nvPicPr>
-        <p:blipFill>
-          <a:blip r:embed="rId3">
             <a:extLst>
               <a:ext uri="{28A0092B-C50C-407E-A947-70E740481C1C}">
                 <a14:useLocalDpi xmlns:a14="http://schemas.microsoft.com/office/drawing/2010/main" val="0"/>
@@ -3621,101 +3546,6 @@
       </p:pic>
       <p:sp>
         <p:nvSpPr>
-          <p:cNvPr id="7" name="Ellipse 6">
-            <a:extLst>
-              <a:ext uri="{FF2B5EF4-FFF2-40B4-BE49-F238E27FC236}">
-                <a16:creationId xmlns:a16="http://schemas.microsoft.com/office/drawing/2014/main" id="{CDC2E1FD-DE4D-DCAE-9252-9D3342845886}"/>
-              </a:ext>
-            </a:extLst>
-          </p:cNvPr>
-          <p:cNvSpPr/>
-          <p:nvPr/>
-        </p:nvSpPr>
-        <p:spPr>
-          <a:xfrm>
-            <a:off x="4412202" y="2778711"/>
-            <a:ext cx="2485748" cy="1942119"/>
-          </a:xfrm>
-          <a:prstGeom prst="ellipse">
-            <a:avLst/>
-          </a:prstGeom>
-          <a:noFill/>
-          <a:ln w="76200">
-            <a:solidFill>
-              <a:srgbClr val="FF0000"/>
-            </a:solidFill>
-          </a:ln>
-        </p:spPr>
-        <p:style>
-          <a:lnRef idx="2">
-            <a:schemeClr val="accent1">
-              <a:shade val="15000"/>
-            </a:schemeClr>
-          </a:lnRef>
-          <a:fillRef idx="1">
-            <a:schemeClr val="accent1"/>
-          </a:fillRef>
-          <a:effectRef idx="0">
-            <a:schemeClr val="accent1"/>
-          </a:effectRef>
-          <a:fontRef idx="minor">
-            <a:schemeClr val="lt1"/>
-          </a:fontRef>
-        </p:style>
-        <p:txBody>
-          <a:bodyPr rtlCol="0" anchor="ctr"/>
-          <a:lstStyle/>
-          <a:p>
-            <a:pPr algn="ctr"/>
-            <a:endParaRPr lang="en-GB"/>
-          </a:p>
-        </p:txBody>
-      </p:sp>
-      <p:cxnSp>
-        <p:nvCxnSpPr>
-          <p:cNvPr id="9" name="Gerader Verbinder 8">
-            <a:extLst>
-              <a:ext uri="{FF2B5EF4-FFF2-40B4-BE49-F238E27FC236}">
-                <a16:creationId xmlns:a16="http://schemas.microsoft.com/office/drawing/2014/main" id="{16B42E88-B603-CCDC-B18B-F109B45AD2D4}"/>
-              </a:ext>
-            </a:extLst>
-          </p:cNvPr>
-          <p:cNvCxnSpPr>
-            <a:cxnSpLocks/>
-          </p:cNvCxnSpPr>
-          <p:nvPr/>
-        </p:nvCxnSpPr>
-        <p:spPr>
-          <a:xfrm>
-            <a:off x="4758431" y="3027285"/>
-            <a:ext cx="1784368" cy="1409128"/>
-          </a:xfrm>
-          <a:prstGeom prst="line">
-            <a:avLst/>
-          </a:prstGeom>
-          <a:ln w="76200">
-            <a:solidFill>
-              <a:srgbClr val="FF0000"/>
-            </a:solidFill>
-          </a:ln>
-        </p:spPr>
-        <p:style>
-          <a:lnRef idx="1">
-            <a:schemeClr val="accent1"/>
-          </a:lnRef>
-          <a:fillRef idx="0">
-            <a:schemeClr val="accent1"/>
-          </a:fillRef>
-          <a:effectRef idx="0">
-            <a:schemeClr val="accent1"/>
-          </a:effectRef>
-          <a:fontRef idx="minor">
-            <a:schemeClr val="tx1"/>
-          </a:fontRef>
-        </p:style>
-      </p:cxnSp>
-      <p:sp>
-        <p:nvSpPr>
           <p:cNvPr id="10" name="Textfeld 9">
             <a:extLst>
               <a:ext uri="{FF2B5EF4-FFF2-40B4-BE49-F238E27FC236}">
@@ -3763,13 +3593,13 @@
         </p:nvSpPr>
         <p:spPr>
           <a:xfrm>
-            <a:off x="3339400" y="2026393"/>
-            <a:ext cx="4501143" cy="3211432"/>
+            <a:off x="3045042" y="568171"/>
+            <a:ext cx="8194088" cy="4669654"/>
           </a:xfrm>
           <a:prstGeom prst="cloudCallout">
             <a:avLst>
-              <a:gd name="adj1" fmla="val -76453"/>
-              <a:gd name="adj2" fmla="val 15781"/>
+              <a:gd name="adj1" fmla="val -62802"/>
+              <a:gd name="adj2" fmla="val 25857"/>
             </a:avLst>
           </a:prstGeom>
           <a:noFill/>
@@ -3802,6 +3632,125 @@
           <a:p>
             <a:pPr algn="ctr"/>
             <a:endParaRPr lang="en-GB"/>
+          </a:p>
+        </p:txBody>
+      </p:sp>
+      <p:sp>
+        <p:nvSpPr>
+          <p:cNvPr id="6" name="Titel 1">
+            <a:extLst>
+              <a:ext uri="{FF2B5EF4-FFF2-40B4-BE49-F238E27FC236}">
+                <a16:creationId xmlns:a16="http://schemas.microsoft.com/office/drawing/2014/main" id="{A2775805-7285-807B-39BF-084738F84CB6}"/>
+              </a:ext>
+            </a:extLst>
+          </p:cNvPr>
+          <p:cNvSpPr>
+            <a:spLocks noGrp="1"/>
+          </p:cNvSpPr>
+          <p:nvPr>
+            <p:ph type="title"/>
+          </p:nvPr>
+        </p:nvSpPr>
+        <p:spPr>
+          <a:xfrm>
+            <a:off x="678402" y="10523"/>
+            <a:ext cx="10515600" cy="1325563"/>
+          </a:xfrm>
+        </p:spPr>
+        <p:txBody>
+          <a:bodyPr/>
+          <a:lstStyle/>
+          <a:p>
+            <a:r>
+              <a:rPr lang="en-GB" dirty="0"/>
+              <a:t>Welcome AI Trader</a:t>
+            </a:r>
+          </a:p>
+        </p:txBody>
+      </p:sp>
+      <p:sp>
+        <p:nvSpPr>
+          <p:cNvPr id="8" name="Textfeld 7">
+            <a:extLst>
+              <a:ext uri="{FF2B5EF4-FFF2-40B4-BE49-F238E27FC236}">
+                <a16:creationId xmlns:a16="http://schemas.microsoft.com/office/drawing/2014/main" id="{1CE6A711-F8A3-CF18-EAAC-D224DA9C1911}"/>
+              </a:ext>
+            </a:extLst>
+          </p:cNvPr>
+          <p:cNvSpPr txBox="1"/>
+          <p:nvPr/>
+        </p:nvSpPr>
+        <p:spPr>
+          <a:xfrm>
+            <a:off x="4012707" y="1633491"/>
+            <a:ext cx="6196613" cy="2585323"/>
+          </a:xfrm>
+          <a:prstGeom prst="rect">
+            <a:avLst/>
+          </a:prstGeom>
+          <a:noFill/>
+        </p:spPr>
+        <p:txBody>
+          <a:bodyPr wrap="square" rtlCol="0">
+            <a:spAutoFit/>
+          </a:bodyPr>
+          <a:lstStyle/>
+          <a:p>
+            <a:pPr marL="285750" indent="-285750">
+              <a:buFont typeface="Arial" panose="020B0604020202020204" pitchFamily="34" charset="0"/>
+              <a:buChar char="•"/>
+            </a:pPr>
+            <a:r>
+              <a:rPr lang="en-GB" dirty="0"/>
+              <a:t>Continuously monitors actual Stock market Prices.</a:t>
+            </a:r>
+          </a:p>
+          <a:p>
+            <a:pPr marL="285750" indent="-285750">
+              <a:buFont typeface="Arial" panose="020B0604020202020204" pitchFamily="34" charset="0"/>
+              <a:buChar char="•"/>
+            </a:pPr>
+            <a:r>
+              <a:rPr lang="en-GB" dirty="0"/>
+              <a:t>Analyses News, economic Data, company Performance, and other Factors that can influence stock Prices.</a:t>
+            </a:r>
+          </a:p>
+          <a:p>
+            <a:pPr marL="285750" indent="-285750">
+              <a:buFont typeface="Arial" panose="020B0604020202020204" pitchFamily="34" charset="0"/>
+              <a:buChar char="•"/>
+            </a:pPr>
+            <a:r>
+              <a:rPr lang="en-GB" dirty="0"/>
+              <a:t>Decides which Stocks to buy or sell based on its Analysis and Reasoning.</a:t>
+            </a:r>
+          </a:p>
+          <a:p>
+            <a:pPr marL="285750" indent="-285750">
+              <a:buFont typeface="Arial" panose="020B0604020202020204" pitchFamily="34" charset="0"/>
+              <a:buChar char="•"/>
+            </a:pPr>
+            <a:r>
+              <a:rPr lang="en-GB" dirty="0"/>
+              <a:t>Monitors round the Clock, 24/7, 365 Days.</a:t>
+            </a:r>
+          </a:p>
+          <a:p>
+            <a:endParaRPr lang="en-GB" dirty="0"/>
+          </a:p>
+          <a:p>
+            <a:pPr marL="285750" indent="-285750">
+              <a:buFont typeface="Arial" panose="020B0604020202020204" pitchFamily="34" charset="0"/>
+              <a:buChar char="•"/>
+            </a:pPr>
+            <a:endParaRPr lang="en-GB" dirty="0"/>
+          </a:p>
+          <a:p>
+            <a:pPr marL="285750" indent="-285750">
+              <a:buFont typeface="Arial" panose="020B0604020202020204" pitchFamily="34" charset="0"/>
+              <a:buChar char="•"/>
+            </a:pPr>
+            <a:endParaRPr lang="en-GB" dirty="0"/>
           </a:p>
         </p:txBody>
       </p:sp>

--- a/ppt/ai-trader.pptx
+++ b/ppt/ai-trader.pptx
@@ -4,6 +4,9 @@
   <p:sldMasterIdLst>
     <p:sldMasterId id="2147483648" r:id="rId1"/>
   </p:sldMasterIdLst>
+  <p:notesMasterIdLst>
+    <p:notesMasterId r:id="rId8"/>
+  </p:notesMasterIdLst>
   <p:sldIdLst>
     <p:sldId id="256" r:id="rId2"/>
     <p:sldId id="257" r:id="rId3"/>
@@ -117,6 +120,717 @@
 </p:presentation>
 </file>
 
+<file path=ppt/notesMasters/notesMaster1.xml><?xml version="1.0" encoding="utf-8"?>
+<p:notesMaster xmlns:a="http://schemas.openxmlformats.org/drawingml/2006/main" xmlns:r="http://schemas.openxmlformats.org/officeDocument/2006/relationships" xmlns:p="http://schemas.openxmlformats.org/presentationml/2006/main">
+  <p:cSld>
+    <p:bg>
+      <p:bgRef idx="1001">
+        <a:schemeClr val="bg1"/>
+      </p:bgRef>
+    </p:bg>
+    <p:spTree>
+      <p:nvGrpSpPr>
+        <p:cNvPr id="1" name=""/>
+        <p:cNvGrpSpPr/>
+        <p:nvPr/>
+      </p:nvGrpSpPr>
+      <p:grpSpPr>
+        <a:xfrm>
+          <a:off x="0" y="0"/>
+          <a:ext cx="0" cy="0"/>
+          <a:chOff x="0" y="0"/>
+          <a:chExt cx="0" cy="0"/>
+        </a:xfrm>
+      </p:grpSpPr>
+      <p:sp>
+        <p:nvSpPr>
+          <p:cNvPr id="2" name="Kopfzeilenplatzhalter 1"/>
+          <p:cNvSpPr>
+            <a:spLocks noGrp="1"/>
+          </p:cNvSpPr>
+          <p:nvPr>
+            <p:ph type="hdr" sz="quarter"/>
+          </p:nvPr>
+        </p:nvSpPr>
+        <p:spPr>
+          <a:xfrm>
+            <a:off x="0" y="0"/>
+            <a:ext cx="2971800" cy="458788"/>
+          </a:xfrm>
+          <a:prstGeom prst="rect">
+            <a:avLst/>
+          </a:prstGeom>
+        </p:spPr>
+        <p:txBody>
+          <a:bodyPr vert="horz" lIns="91440" tIns="45720" rIns="91440" bIns="45720" rtlCol="0"/>
+          <a:lstStyle>
+            <a:lvl1pPr algn="l">
+              <a:defRPr sz="1200"/>
+            </a:lvl1pPr>
+          </a:lstStyle>
+          <a:p>
+            <a:endParaRPr lang="en-GB"/>
+          </a:p>
+        </p:txBody>
+      </p:sp>
+      <p:sp>
+        <p:nvSpPr>
+          <p:cNvPr id="3" name="Datumsplatzhalter 2"/>
+          <p:cNvSpPr>
+            <a:spLocks noGrp="1"/>
+          </p:cNvSpPr>
+          <p:nvPr>
+            <p:ph type="dt" idx="1"/>
+          </p:nvPr>
+        </p:nvSpPr>
+        <p:spPr>
+          <a:xfrm>
+            <a:off x="3884613" y="0"/>
+            <a:ext cx="2971800" cy="458788"/>
+          </a:xfrm>
+          <a:prstGeom prst="rect">
+            <a:avLst/>
+          </a:prstGeom>
+        </p:spPr>
+        <p:txBody>
+          <a:bodyPr vert="horz" lIns="91440" tIns="45720" rIns="91440" bIns="45720" rtlCol="0"/>
+          <a:lstStyle>
+            <a:lvl1pPr algn="r">
+              <a:defRPr sz="1200"/>
+            </a:lvl1pPr>
+          </a:lstStyle>
+          <a:p>
+            <a:fld id="{761FEDE0-C07F-4683-BEE4-44A02A143B70}" type="datetimeFigureOut">
+              <a:rPr lang="en-GB" smtClean="0"/>
+              <a:t>21/05/2025</a:t>
+            </a:fld>
+            <a:endParaRPr lang="en-GB"/>
+          </a:p>
+        </p:txBody>
+      </p:sp>
+      <p:sp>
+        <p:nvSpPr>
+          <p:cNvPr id="4" name="Folienbildplatzhalter 3"/>
+          <p:cNvSpPr>
+            <a:spLocks noGrp="1" noRot="1" noChangeAspect="1"/>
+          </p:cNvSpPr>
+          <p:nvPr>
+            <p:ph type="sldImg" idx="2"/>
+          </p:nvPr>
+        </p:nvSpPr>
+        <p:spPr>
+          <a:xfrm>
+            <a:off x="685800" y="1143000"/>
+            <a:ext cx="5486400" cy="3086100"/>
+          </a:xfrm>
+          <a:prstGeom prst="rect">
+            <a:avLst/>
+          </a:prstGeom>
+          <a:noFill/>
+          <a:ln w="12700">
+            <a:solidFill>
+              <a:prstClr val="black"/>
+            </a:solidFill>
+          </a:ln>
+        </p:spPr>
+        <p:txBody>
+          <a:bodyPr vert="horz" lIns="91440" tIns="45720" rIns="91440" bIns="45720" rtlCol="0" anchor="ctr"/>
+          <a:lstStyle/>
+          <a:p>
+            <a:endParaRPr lang="en-GB"/>
+          </a:p>
+        </p:txBody>
+      </p:sp>
+      <p:sp>
+        <p:nvSpPr>
+          <p:cNvPr id="5" name="Notizenplatzhalter 4"/>
+          <p:cNvSpPr>
+            <a:spLocks noGrp="1"/>
+          </p:cNvSpPr>
+          <p:nvPr>
+            <p:ph type="body" sz="quarter" idx="3"/>
+          </p:nvPr>
+        </p:nvSpPr>
+        <p:spPr>
+          <a:xfrm>
+            <a:off x="685800" y="4400550"/>
+            <a:ext cx="5486400" cy="3600450"/>
+          </a:xfrm>
+          <a:prstGeom prst="rect">
+            <a:avLst/>
+          </a:prstGeom>
+        </p:spPr>
+        <p:txBody>
+          <a:bodyPr vert="horz" lIns="91440" tIns="45720" rIns="91440" bIns="45720" rtlCol="0"/>
+          <a:lstStyle/>
+          <a:p>
+            <a:pPr lvl="0"/>
+            <a:r>
+              <a:rPr lang="de-DE"/>
+              <a:t>Mastertextformat bearbeiten</a:t>
+            </a:r>
+          </a:p>
+          <a:p>
+            <a:pPr lvl="1"/>
+            <a:r>
+              <a:rPr lang="de-DE"/>
+              <a:t>Zweite Ebene</a:t>
+            </a:r>
+          </a:p>
+          <a:p>
+            <a:pPr lvl="2"/>
+            <a:r>
+              <a:rPr lang="de-DE"/>
+              <a:t>Dritte Ebene</a:t>
+            </a:r>
+          </a:p>
+          <a:p>
+            <a:pPr lvl="3"/>
+            <a:r>
+              <a:rPr lang="de-DE"/>
+              <a:t>Vierte Ebene</a:t>
+            </a:r>
+          </a:p>
+          <a:p>
+            <a:pPr lvl="4"/>
+            <a:r>
+              <a:rPr lang="de-DE"/>
+              <a:t>Fünfte Ebene</a:t>
+            </a:r>
+            <a:endParaRPr lang="en-GB"/>
+          </a:p>
+        </p:txBody>
+      </p:sp>
+      <p:sp>
+        <p:nvSpPr>
+          <p:cNvPr id="6" name="Fußzeilenplatzhalter 5"/>
+          <p:cNvSpPr>
+            <a:spLocks noGrp="1"/>
+          </p:cNvSpPr>
+          <p:nvPr>
+            <p:ph type="ftr" sz="quarter" idx="4"/>
+          </p:nvPr>
+        </p:nvSpPr>
+        <p:spPr>
+          <a:xfrm>
+            <a:off x="0" y="8685213"/>
+            <a:ext cx="2971800" cy="458787"/>
+          </a:xfrm>
+          <a:prstGeom prst="rect">
+            <a:avLst/>
+          </a:prstGeom>
+        </p:spPr>
+        <p:txBody>
+          <a:bodyPr vert="horz" lIns="91440" tIns="45720" rIns="91440" bIns="45720" rtlCol="0" anchor="b"/>
+          <a:lstStyle>
+            <a:lvl1pPr algn="l">
+              <a:defRPr sz="1200"/>
+            </a:lvl1pPr>
+          </a:lstStyle>
+          <a:p>
+            <a:endParaRPr lang="en-GB"/>
+          </a:p>
+        </p:txBody>
+      </p:sp>
+      <p:sp>
+        <p:nvSpPr>
+          <p:cNvPr id="7" name="Foliennummernplatzhalter 6"/>
+          <p:cNvSpPr>
+            <a:spLocks noGrp="1"/>
+          </p:cNvSpPr>
+          <p:nvPr>
+            <p:ph type="sldNum" sz="quarter" idx="5"/>
+          </p:nvPr>
+        </p:nvSpPr>
+        <p:spPr>
+          <a:xfrm>
+            <a:off x="3884613" y="8685213"/>
+            <a:ext cx="2971800" cy="458787"/>
+          </a:xfrm>
+          <a:prstGeom prst="rect">
+            <a:avLst/>
+          </a:prstGeom>
+        </p:spPr>
+        <p:txBody>
+          <a:bodyPr vert="horz" lIns="91440" tIns="45720" rIns="91440" bIns="45720" rtlCol="0" anchor="b"/>
+          <a:lstStyle>
+            <a:lvl1pPr algn="r">
+              <a:defRPr sz="1200"/>
+            </a:lvl1pPr>
+          </a:lstStyle>
+          <a:p>
+            <a:fld id="{82D061DF-AFAE-4390-87BB-8EFADD92F3AE}" type="slidenum">
+              <a:rPr lang="en-GB" smtClean="0"/>
+              <a:t>‹Nr.›</a:t>
+            </a:fld>
+            <a:endParaRPr lang="en-GB"/>
+          </a:p>
+        </p:txBody>
+      </p:sp>
+    </p:spTree>
+    <p:extLst>
+      <p:ext uri="{BB962C8B-B14F-4D97-AF65-F5344CB8AC3E}">
+        <p14:creationId xmlns:p14="http://schemas.microsoft.com/office/powerpoint/2010/main" val="1813211557"/>
+      </p:ext>
+    </p:extLst>
+  </p:cSld>
+  <p:clrMap bg1="lt1" tx1="dk1" bg2="lt2" tx2="dk2" accent1="accent1" accent2="accent2" accent3="accent3" accent4="accent4" accent5="accent5" accent6="accent6" hlink="hlink" folHlink="folHlink"/>
+  <p:notesStyle>
+    <a:lvl1pPr marL="0" algn="l" defTabSz="914400" rtl="0" eaLnBrk="1" latinLnBrk="0" hangingPunct="1">
+      <a:defRPr sz="1200" kern="1200">
+        <a:solidFill>
+          <a:schemeClr val="tx1"/>
+        </a:solidFill>
+        <a:latin typeface="+mn-lt"/>
+        <a:ea typeface="+mn-ea"/>
+        <a:cs typeface="+mn-cs"/>
+      </a:defRPr>
+    </a:lvl1pPr>
+    <a:lvl2pPr marL="457200" algn="l" defTabSz="914400" rtl="0" eaLnBrk="1" latinLnBrk="0" hangingPunct="1">
+      <a:defRPr sz="1200" kern="1200">
+        <a:solidFill>
+          <a:schemeClr val="tx1"/>
+        </a:solidFill>
+        <a:latin typeface="+mn-lt"/>
+        <a:ea typeface="+mn-ea"/>
+        <a:cs typeface="+mn-cs"/>
+      </a:defRPr>
+    </a:lvl2pPr>
+    <a:lvl3pPr marL="914400" algn="l" defTabSz="914400" rtl="0" eaLnBrk="1" latinLnBrk="0" hangingPunct="1">
+      <a:defRPr sz="1200" kern="1200">
+        <a:solidFill>
+          <a:schemeClr val="tx1"/>
+        </a:solidFill>
+        <a:latin typeface="+mn-lt"/>
+        <a:ea typeface="+mn-ea"/>
+        <a:cs typeface="+mn-cs"/>
+      </a:defRPr>
+    </a:lvl3pPr>
+    <a:lvl4pPr marL="1371600" algn="l" defTabSz="914400" rtl="0" eaLnBrk="1" latinLnBrk="0" hangingPunct="1">
+      <a:defRPr sz="1200" kern="1200">
+        <a:solidFill>
+          <a:schemeClr val="tx1"/>
+        </a:solidFill>
+        <a:latin typeface="+mn-lt"/>
+        <a:ea typeface="+mn-ea"/>
+        <a:cs typeface="+mn-cs"/>
+      </a:defRPr>
+    </a:lvl4pPr>
+    <a:lvl5pPr marL="1828800" algn="l" defTabSz="914400" rtl="0" eaLnBrk="1" latinLnBrk="0" hangingPunct="1">
+      <a:defRPr sz="1200" kern="1200">
+        <a:solidFill>
+          <a:schemeClr val="tx1"/>
+        </a:solidFill>
+        <a:latin typeface="+mn-lt"/>
+        <a:ea typeface="+mn-ea"/>
+        <a:cs typeface="+mn-cs"/>
+      </a:defRPr>
+    </a:lvl5pPr>
+    <a:lvl6pPr marL="2286000" algn="l" defTabSz="914400" rtl="0" eaLnBrk="1" latinLnBrk="0" hangingPunct="1">
+      <a:defRPr sz="1200" kern="1200">
+        <a:solidFill>
+          <a:schemeClr val="tx1"/>
+        </a:solidFill>
+        <a:latin typeface="+mn-lt"/>
+        <a:ea typeface="+mn-ea"/>
+        <a:cs typeface="+mn-cs"/>
+      </a:defRPr>
+    </a:lvl6pPr>
+    <a:lvl7pPr marL="2743200" algn="l" defTabSz="914400" rtl="0" eaLnBrk="1" latinLnBrk="0" hangingPunct="1">
+      <a:defRPr sz="1200" kern="1200">
+        <a:solidFill>
+          <a:schemeClr val="tx1"/>
+        </a:solidFill>
+        <a:latin typeface="+mn-lt"/>
+        <a:ea typeface="+mn-ea"/>
+        <a:cs typeface="+mn-cs"/>
+      </a:defRPr>
+    </a:lvl7pPr>
+    <a:lvl8pPr marL="3200400" algn="l" defTabSz="914400" rtl="0" eaLnBrk="1" latinLnBrk="0" hangingPunct="1">
+      <a:defRPr sz="1200" kern="1200">
+        <a:solidFill>
+          <a:schemeClr val="tx1"/>
+        </a:solidFill>
+        <a:latin typeface="+mn-lt"/>
+        <a:ea typeface="+mn-ea"/>
+        <a:cs typeface="+mn-cs"/>
+      </a:defRPr>
+    </a:lvl8pPr>
+    <a:lvl9pPr marL="3657600" algn="l" defTabSz="914400" rtl="0" eaLnBrk="1" latinLnBrk="0" hangingPunct="1">
+      <a:defRPr sz="1200" kern="1200">
+        <a:solidFill>
+          <a:schemeClr val="tx1"/>
+        </a:solidFill>
+        <a:latin typeface="+mn-lt"/>
+        <a:ea typeface="+mn-ea"/>
+        <a:cs typeface="+mn-cs"/>
+      </a:defRPr>
+    </a:lvl9pPr>
+  </p:notesStyle>
+</p:notesMaster>
+</file>
+
+<file path=ppt/notesSlides/notesSlide1.xml><?xml version="1.0" encoding="utf-8"?>
+<p:notes xmlns:a="http://schemas.openxmlformats.org/drawingml/2006/main" xmlns:r="http://schemas.openxmlformats.org/officeDocument/2006/relationships" xmlns:p="http://schemas.openxmlformats.org/presentationml/2006/main">
+  <p:cSld>
+    <p:spTree>
+      <p:nvGrpSpPr>
+        <p:cNvPr id="1" name=""/>
+        <p:cNvGrpSpPr/>
+        <p:nvPr/>
+      </p:nvGrpSpPr>
+      <p:grpSpPr>
+        <a:xfrm>
+          <a:off x="0" y="0"/>
+          <a:ext cx="0" cy="0"/>
+          <a:chOff x="0" y="0"/>
+          <a:chExt cx="0" cy="0"/>
+        </a:xfrm>
+      </p:grpSpPr>
+      <p:sp>
+        <p:nvSpPr>
+          <p:cNvPr id="2" name="Folienbildplatzhalter 1"/>
+          <p:cNvSpPr>
+            <a:spLocks noGrp="1" noRot="1" noChangeAspect="1"/>
+          </p:cNvSpPr>
+          <p:nvPr>
+            <p:ph type="sldImg"/>
+          </p:nvPr>
+        </p:nvSpPr>
+        <p:spPr/>
+      </p:sp>
+      <p:sp>
+        <p:nvSpPr>
+          <p:cNvPr id="3" name="Notizenplatzhalter 2"/>
+          <p:cNvSpPr>
+            <a:spLocks noGrp="1"/>
+          </p:cNvSpPr>
+          <p:nvPr>
+            <p:ph type="body" idx="1"/>
+          </p:nvPr>
+        </p:nvSpPr>
+        <p:spPr/>
+        <p:txBody>
+          <a:bodyPr/>
+          <a:lstStyle/>
+          <a:p>
+            <a:r>
+              <a:rPr lang="en-GB" dirty="0"/>
+              <a:t>Types of Traders:</a:t>
+            </a:r>
+          </a:p>
+          <a:p>
+            <a:r>
+              <a:rPr lang="en-GB" dirty="0"/>
+              <a:t>Institutional Traders:</a:t>
+            </a:r>
+          </a:p>
+          <a:p>
+            <a:r>
+              <a:rPr lang="en-GB" dirty="0"/>
+              <a:t>These traders work for large institutions like hedge funds, pension funds, and investment companies, often trading on a large scale. </a:t>
+            </a:r>
+          </a:p>
+          <a:p>
+            <a:r>
+              <a:rPr lang="en-GB" dirty="0"/>
+              <a:t>Retail Traders:</a:t>
+            </a:r>
+          </a:p>
+          <a:p>
+            <a:r>
+              <a:rPr lang="en-GB" dirty="0"/>
+              <a:t>These are individual investors who trade for themselves, often using online brokerage platforms. </a:t>
+            </a:r>
+          </a:p>
+          <a:p>
+            <a:r>
+              <a:rPr lang="en-GB" dirty="0"/>
+              <a:t>Day Traders:</a:t>
+            </a:r>
+          </a:p>
+          <a:p>
+            <a:r>
+              <a:rPr lang="en-GB" dirty="0"/>
+              <a:t>These traders focus on short-term trading, often buying and selling stocks within the same day. </a:t>
+            </a:r>
+          </a:p>
+          <a:p>
+            <a:r>
+              <a:rPr lang="en-GB" dirty="0"/>
+              <a:t>Swing Traders:</a:t>
+            </a:r>
+          </a:p>
+          <a:p>
+            <a:r>
+              <a:rPr lang="en-GB" dirty="0"/>
+              <a:t>These traders hold positions for a few days or weeks, looking to profit from price swings. </a:t>
+            </a:r>
+          </a:p>
+          <a:p>
+            <a:r>
+              <a:rPr lang="en-GB" dirty="0"/>
+              <a:t>Position Traders:</a:t>
+            </a:r>
+          </a:p>
+          <a:p>
+            <a:r>
+              <a:rPr lang="en-GB" dirty="0"/>
+              <a:t>These traders hold positions for longer periods, often years, hoping to capitalize on long-term growth. </a:t>
+            </a:r>
+          </a:p>
+        </p:txBody>
+      </p:sp>
+      <p:sp>
+        <p:nvSpPr>
+          <p:cNvPr id="4" name="Foliennummernplatzhalter 3"/>
+          <p:cNvSpPr>
+            <a:spLocks noGrp="1"/>
+          </p:cNvSpPr>
+          <p:nvPr>
+            <p:ph type="sldNum" sz="quarter" idx="5"/>
+          </p:nvPr>
+        </p:nvSpPr>
+        <p:spPr/>
+        <p:txBody>
+          <a:bodyPr/>
+          <a:lstStyle/>
+          <a:p>
+            <a:fld id="{82D061DF-AFAE-4390-87BB-8EFADD92F3AE}" type="slidenum">
+              <a:rPr lang="en-GB" smtClean="0"/>
+              <a:t>1</a:t>
+            </a:fld>
+            <a:endParaRPr lang="en-GB"/>
+          </a:p>
+        </p:txBody>
+      </p:sp>
+    </p:spTree>
+    <p:extLst>
+      <p:ext uri="{BB962C8B-B14F-4D97-AF65-F5344CB8AC3E}">
+        <p14:creationId xmlns:p14="http://schemas.microsoft.com/office/powerpoint/2010/main" val="2068398774"/>
+      </p:ext>
+    </p:extLst>
+  </p:cSld>
+  <p:clrMapOvr>
+    <a:masterClrMapping/>
+  </p:clrMapOvr>
+</p:notes>
+</file>
+
+<file path=ppt/notesSlides/notesSlide2.xml><?xml version="1.0" encoding="utf-8"?>
+<p:notes xmlns:a="http://schemas.openxmlformats.org/drawingml/2006/main" xmlns:r="http://schemas.openxmlformats.org/officeDocument/2006/relationships" xmlns:p="http://schemas.openxmlformats.org/presentationml/2006/main">
+  <p:cSld>
+    <p:spTree>
+      <p:nvGrpSpPr>
+        <p:cNvPr id="1" name=""/>
+        <p:cNvGrpSpPr/>
+        <p:nvPr/>
+      </p:nvGrpSpPr>
+      <p:grpSpPr>
+        <a:xfrm>
+          <a:off x="0" y="0"/>
+          <a:ext cx="0" cy="0"/>
+          <a:chOff x="0" y="0"/>
+          <a:chExt cx="0" cy="0"/>
+        </a:xfrm>
+      </p:grpSpPr>
+      <p:sp>
+        <p:nvSpPr>
+          <p:cNvPr id="2" name="Folienbildplatzhalter 1"/>
+          <p:cNvSpPr>
+            <a:spLocks noGrp="1" noRot="1" noChangeAspect="1"/>
+          </p:cNvSpPr>
+          <p:nvPr>
+            <p:ph type="sldImg"/>
+          </p:nvPr>
+        </p:nvSpPr>
+        <p:spPr/>
+      </p:sp>
+      <p:sp>
+        <p:nvSpPr>
+          <p:cNvPr id="3" name="Notizenplatzhalter 2"/>
+          <p:cNvSpPr>
+            <a:spLocks noGrp="1"/>
+          </p:cNvSpPr>
+          <p:nvPr>
+            <p:ph type="body" idx="1"/>
+          </p:nvPr>
+        </p:nvSpPr>
+        <p:spPr/>
+        <p:txBody>
+          <a:bodyPr/>
+          <a:lstStyle/>
+          <a:p>
+            <a:r>
+              <a:rPr lang="en-GB" dirty="0"/>
+              <a:t>A REST API content provider for stock market traders following economic and political trends typically aggregates and delivers real-time or near-real-time data from news, government sources, market events, and geopolitical developments. These APIs help traders make data-driven decisions based on macroeconomic and political signals.</a:t>
+            </a:r>
+          </a:p>
+          <a:p>
+            <a:endParaRPr lang="en-GB" dirty="0"/>
+          </a:p>
+          <a:p>
+            <a:r>
+              <a:rPr lang="en-GB" dirty="0"/>
+              <a:t>Here are some of the best REST API providers for this purpose:</a:t>
+            </a:r>
+          </a:p>
+          <a:p>
+            <a:endParaRPr lang="en-GB" dirty="0"/>
+          </a:p>
+          <a:p>
+            <a:r>
+              <a:rPr lang="en-GB" dirty="0"/>
+              <a:t>🔹 1. News API</a:t>
+            </a:r>
+          </a:p>
+          <a:p>
+            <a:r>
+              <a:rPr lang="en-GB" dirty="0"/>
+              <a:t>Website: https://newsapi.org</a:t>
+            </a:r>
+          </a:p>
+          <a:p>
+            <a:r>
+              <a:rPr lang="en-GB" dirty="0"/>
+              <a:t>Use: Provides access to breaking news headlines and articles from news sources worldwide.</a:t>
+            </a:r>
+          </a:p>
+          <a:p>
+            <a:r>
+              <a:rPr lang="en-GB" dirty="0"/>
+              <a:t>Best For: General political, economic, and financial news monitoring.</a:t>
+            </a:r>
+          </a:p>
+          <a:p>
+            <a:r>
+              <a:rPr lang="en-GB" dirty="0"/>
+              <a:t>Data Sources: Bloomberg, Reuters, CNBC, etc.</a:t>
+            </a:r>
+          </a:p>
+          <a:p>
+            <a:endParaRPr lang="en-GB" dirty="0"/>
+          </a:p>
+          <a:p>
+            <a:r>
+              <a:rPr lang="en-GB" dirty="0"/>
+              <a:t>🔹 2. </a:t>
+            </a:r>
+            <a:r>
+              <a:rPr lang="en-GB" dirty="0" err="1"/>
+              <a:t>Finnhub</a:t>
+            </a:r>
+            <a:r>
+              <a:rPr lang="en-GB" dirty="0"/>
+              <a:t> API</a:t>
+            </a:r>
+          </a:p>
+          <a:p>
+            <a:r>
+              <a:rPr lang="en-GB" dirty="0"/>
+              <a:t>Website: https://finnhub.io</a:t>
+            </a:r>
+          </a:p>
+          <a:p>
+            <a:r>
+              <a:rPr lang="en-GB" dirty="0"/>
+              <a:t>Use: Offers financial data, economic indicators, news, and sentiment analysis.</a:t>
+            </a:r>
+          </a:p>
+          <a:p>
+            <a:r>
+              <a:rPr lang="en-GB" dirty="0"/>
+              <a:t>Best For: Real-time stock market data + economic news + sentiment.</a:t>
+            </a:r>
+          </a:p>
+          <a:p>
+            <a:r>
+              <a:rPr lang="en-GB" dirty="0"/>
+              <a:t>Economic Data: GDP, CPI, interest rates.</a:t>
+            </a:r>
+          </a:p>
+          <a:p>
+            <a:r>
+              <a:rPr lang="en-GB" dirty="0"/>
+              <a:t>News: From major financial outlets with sentiment scoring.</a:t>
+            </a:r>
+          </a:p>
+          <a:p>
+            <a:endParaRPr lang="en-GB" dirty="0"/>
+          </a:p>
+          <a:p>
+            <a:r>
+              <a:rPr lang="en-GB" dirty="0"/>
+              <a:t>🔹 3. Trading Economics API</a:t>
+            </a:r>
+          </a:p>
+          <a:p>
+            <a:r>
+              <a:rPr lang="en-GB" dirty="0"/>
+              <a:t>Website: https://tradingeconomics.com</a:t>
+            </a:r>
+          </a:p>
+          <a:p>
+            <a:r>
+              <a:rPr lang="en-GB" dirty="0"/>
+              <a:t>Use: Access to 20 million economic indicators, forecasts, and news.</a:t>
+            </a:r>
+          </a:p>
+          <a:p>
+            <a:r>
+              <a:rPr lang="en-GB" dirty="0"/>
+              <a:t>Best For: Macro-economic trend tracking.</a:t>
+            </a:r>
+          </a:p>
+          <a:p>
+            <a:r>
+              <a:rPr lang="en-GB" dirty="0"/>
+              <a:t>Coverage: GDP, inflation, employment, interest rates, and more — for 196 </a:t>
+            </a:r>
+            <a:r>
+              <a:rPr lang="en-GB"/>
+              <a:t>countries.</a:t>
+            </a:r>
+            <a:endParaRPr lang="en-GB" dirty="0"/>
+          </a:p>
+        </p:txBody>
+      </p:sp>
+      <p:sp>
+        <p:nvSpPr>
+          <p:cNvPr id="4" name="Foliennummernplatzhalter 3"/>
+          <p:cNvSpPr>
+            <a:spLocks noGrp="1"/>
+          </p:cNvSpPr>
+          <p:nvPr>
+            <p:ph type="sldNum" sz="quarter" idx="5"/>
+          </p:nvPr>
+        </p:nvSpPr>
+        <p:spPr/>
+        <p:txBody>
+          <a:bodyPr/>
+          <a:lstStyle/>
+          <a:p>
+            <a:fld id="{82D061DF-AFAE-4390-87BB-8EFADD92F3AE}" type="slidenum">
+              <a:rPr lang="en-GB" smtClean="0"/>
+              <a:t>3</a:t>
+            </a:fld>
+            <a:endParaRPr lang="en-GB"/>
+          </a:p>
+        </p:txBody>
+      </p:sp>
+    </p:spTree>
+    <p:extLst>
+      <p:ext uri="{BB962C8B-B14F-4D97-AF65-F5344CB8AC3E}">
+        <p14:creationId xmlns:p14="http://schemas.microsoft.com/office/powerpoint/2010/main" val="1887743575"/>
+      </p:ext>
+    </p:extLst>
+  </p:cSld>
+  <p:clrMapOvr>
+    <a:masterClrMapping/>
+  </p:clrMapOvr>
+</p:notes>
+</file>
+
 <file path=ppt/slideLayouts/slideLayout1.xml><?xml version="1.0" encoding="utf-8"?>
 <p:sldLayout xmlns:a="http://schemas.openxmlformats.org/drawingml/2006/main" xmlns:r="http://schemas.openxmlformats.org/officeDocument/2006/relationships" xmlns:p="http://schemas.openxmlformats.org/presentationml/2006/main" type="title" preserve="1">
   <p:cSld name="Titelfolie">
@@ -266,7 +980,7 @@
           <a:p>
             <a:fld id="{3D93DC6C-5FE0-415E-B570-6940D882BBCC}" type="datetimeFigureOut">
               <a:rPr lang="en-GB" smtClean="0"/>
-              <a:t>19/05/2025</a:t>
+              <a:t>21/05/2025</a:t>
             </a:fld>
             <a:endParaRPr lang="en-GB"/>
           </a:p>
@@ -466,7 +1180,7 @@
           <a:p>
             <a:fld id="{3D93DC6C-5FE0-415E-B570-6940D882BBCC}" type="datetimeFigureOut">
               <a:rPr lang="en-GB" smtClean="0"/>
-              <a:t>19/05/2025</a:t>
+              <a:t>21/05/2025</a:t>
             </a:fld>
             <a:endParaRPr lang="en-GB"/>
           </a:p>
@@ -676,7 +1390,7 @@
           <a:p>
             <a:fld id="{3D93DC6C-5FE0-415E-B570-6940D882BBCC}" type="datetimeFigureOut">
               <a:rPr lang="en-GB" smtClean="0"/>
-              <a:t>19/05/2025</a:t>
+              <a:t>21/05/2025</a:t>
             </a:fld>
             <a:endParaRPr lang="en-GB"/>
           </a:p>
@@ -876,7 +1590,7 @@
           <a:p>
             <a:fld id="{3D93DC6C-5FE0-415E-B570-6940D882BBCC}" type="datetimeFigureOut">
               <a:rPr lang="en-GB" smtClean="0"/>
-              <a:t>19/05/2025</a:t>
+              <a:t>21/05/2025</a:t>
             </a:fld>
             <a:endParaRPr lang="en-GB"/>
           </a:p>
@@ -1152,7 +1866,7 @@
           <a:p>
             <a:fld id="{3D93DC6C-5FE0-415E-B570-6940D882BBCC}" type="datetimeFigureOut">
               <a:rPr lang="en-GB" smtClean="0"/>
-              <a:t>19/05/2025</a:t>
+              <a:t>21/05/2025</a:t>
             </a:fld>
             <a:endParaRPr lang="en-GB"/>
           </a:p>
@@ -1420,7 +2134,7 @@
           <a:p>
             <a:fld id="{3D93DC6C-5FE0-415E-B570-6940D882BBCC}" type="datetimeFigureOut">
               <a:rPr lang="en-GB" smtClean="0"/>
-              <a:t>19/05/2025</a:t>
+              <a:t>21/05/2025</a:t>
             </a:fld>
             <a:endParaRPr lang="en-GB"/>
           </a:p>
@@ -1835,7 +2549,7 @@
           <a:p>
             <a:fld id="{3D93DC6C-5FE0-415E-B570-6940D882BBCC}" type="datetimeFigureOut">
               <a:rPr lang="en-GB" smtClean="0"/>
-              <a:t>19/05/2025</a:t>
+              <a:t>21/05/2025</a:t>
             </a:fld>
             <a:endParaRPr lang="en-GB"/>
           </a:p>
@@ -1977,7 +2691,7 @@
           <a:p>
             <a:fld id="{3D93DC6C-5FE0-415E-B570-6940D882BBCC}" type="datetimeFigureOut">
               <a:rPr lang="en-GB" smtClean="0"/>
-              <a:t>19/05/2025</a:t>
+              <a:t>21/05/2025</a:t>
             </a:fld>
             <a:endParaRPr lang="en-GB"/>
           </a:p>
@@ -2090,7 +2804,7 @@
           <a:p>
             <a:fld id="{3D93DC6C-5FE0-415E-B570-6940D882BBCC}" type="datetimeFigureOut">
               <a:rPr lang="en-GB" smtClean="0"/>
-              <a:t>19/05/2025</a:t>
+              <a:t>21/05/2025</a:t>
             </a:fld>
             <a:endParaRPr lang="en-GB"/>
           </a:p>
@@ -2403,7 +3117,7 @@
           <a:p>
             <a:fld id="{3D93DC6C-5FE0-415E-B570-6940D882BBCC}" type="datetimeFigureOut">
               <a:rPr lang="en-GB" smtClean="0"/>
-              <a:t>19/05/2025</a:t>
+              <a:t>21/05/2025</a:t>
             </a:fld>
             <a:endParaRPr lang="en-GB"/>
           </a:p>
@@ -2692,7 +3406,7 @@
           <a:p>
             <a:fld id="{3D93DC6C-5FE0-415E-B570-6940D882BBCC}" type="datetimeFigureOut">
               <a:rPr lang="en-GB" smtClean="0"/>
-              <a:t>19/05/2025</a:t>
+              <a:t>21/05/2025</a:t>
             </a:fld>
             <a:endParaRPr lang="en-GB"/>
           </a:p>
@@ -2935,7 +3649,7 @@
           <a:p>
             <a:fld id="{3D93DC6C-5FE0-415E-B570-6940D882BBCC}" type="datetimeFigureOut">
               <a:rPr lang="en-GB" smtClean="0"/>
-              <a:t>19/05/2025</a:t>
+              <a:t>21/05/2025</a:t>
             </a:fld>
             <a:endParaRPr lang="en-GB"/>
           </a:p>
@@ -3375,7 +4089,7 @@
           <a:p>
             <a:r>
               <a:rPr lang="en-GB" dirty="0"/>
-              <a:t>Stock Market Trader</a:t>
+              <a:t>Stock Market Trader (Swing trading Use-Case)</a:t>
             </a:r>
           </a:p>
         </p:txBody>
@@ -3396,7 +4110,12 @@
             <p:ph idx="1"/>
           </p:nvPr>
         </p:nvSpPr>
-        <p:spPr/>
+        <p:spPr>
+          <a:xfrm>
+            <a:off x="838199" y="1825625"/>
+            <a:ext cx="10969101" cy="4351338"/>
+          </a:xfrm>
+        </p:spPr>
         <p:txBody>
           <a:bodyPr/>
           <a:lstStyle/>
@@ -3416,6 +4135,12 @@
             <a:r>
               <a:rPr lang="en-GB" dirty="0"/>
               <a:t>Buys or sells based on Experiences and Forecasts</a:t>
+            </a:r>
+          </a:p>
+          <a:p>
+            <a:r>
+              <a:rPr lang="en-GB" dirty="0"/>
+              <a:t>Holding positions for Days or Weeks, looking to profit from Price swings</a:t>
             </a:r>
           </a:p>
         </p:txBody>
@@ -3435,7 +4160,7 @@
           <p:nvPr/>
         </p:nvPicPr>
         <p:blipFill>
-          <a:blip r:embed="rId2">
+          <a:blip r:embed="rId3">
             <a:extLst>
               <a:ext uri="{28A0092B-C50C-407E-A947-70E740481C1C}">
                 <a14:useLocalDpi xmlns:a14="http://schemas.microsoft.com/office/drawing/2010/main" val="0"/>
@@ -3449,7 +4174,7 @@
         </p:blipFill>
         <p:spPr bwMode="auto">
           <a:xfrm>
-            <a:off x="3702358" y="3558051"/>
+            <a:off x="3702358" y="3815507"/>
             <a:ext cx="2514600" cy="1819275"/>
           </a:xfrm>
           <a:prstGeom prst="rect">
@@ -6354,4 +7079,299 @@
     </a:ext>
   </a:extLst>
 </a:theme>
+</file>
+
+<file path=ppt/theme/theme2.xml><?xml version="1.0" encoding="utf-8"?>
+<a:theme xmlns:a="http://schemas.openxmlformats.org/drawingml/2006/main" name="Office">
+  <a:themeElements>
+    <a:clrScheme name="Office">
+      <a:dk1>
+        <a:sysClr val="windowText" lastClr="000000"/>
+      </a:dk1>
+      <a:lt1>
+        <a:sysClr val="window" lastClr="FFFFFF"/>
+      </a:lt1>
+      <a:dk2>
+        <a:srgbClr val="44546A"/>
+      </a:dk2>
+      <a:lt2>
+        <a:srgbClr val="E7E6E6"/>
+      </a:lt2>
+      <a:accent1>
+        <a:srgbClr val="4472C4"/>
+      </a:accent1>
+      <a:accent2>
+        <a:srgbClr val="ED7D31"/>
+      </a:accent2>
+      <a:accent3>
+        <a:srgbClr val="A5A5A5"/>
+      </a:accent3>
+      <a:accent4>
+        <a:srgbClr val="FFC000"/>
+      </a:accent4>
+      <a:accent5>
+        <a:srgbClr val="5B9BD5"/>
+      </a:accent5>
+      <a:accent6>
+        <a:srgbClr val="70AD47"/>
+      </a:accent6>
+      <a:hlink>
+        <a:srgbClr val="0563C1"/>
+      </a:hlink>
+      <a:folHlink>
+        <a:srgbClr val="954F72"/>
+      </a:folHlink>
+    </a:clrScheme>
+    <a:fontScheme name="Office">
+      <a:majorFont>
+        <a:latin typeface="Calibri Light" panose="020F0302020204030204"/>
+        <a:ea typeface=""/>
+        <a:cs typeface=""/>
+        <a:font script="Jpan" typeface="游ゴシック Light"/>
+        <a:font script="Hang" typeface="맑은 고딕"/>
+        <a:font script="Hans" typeface="等线 Light"/>
+        <a:font script="Hant" typeface="新細明體"/>
+        <a:font script="Arab" typeface="Times New Roman"/>
+        <a:font script="Hebr" typeface="Times New Roman"/>
+        <a:font script="Thai" typeface="Angsana New"/>
+        <a:font script="Ethi" typeface="Nyala"/>
+        <a:font script="Beng" typeface="Vrinda"/>
+        <a:font script="Gujr" typeface="Shruti"/>
+        <a:font script="Khmr" typeface="MoolBoran"/>
+        <a:font script="Knda" typeface="Tunga"/>
+        <a:font script="Guru" typeface="Raavi"/>
+        <a:font script="Cans" typeface="Euphemia"/>
+        <a:font script="Cher" typeface="Plantagenet Cherokee"/>
+        <a:font script="Yiii" typeface="Microsoft Yi Baiti"/>
+        <a:font script="Tibt" typeface="Microsoft Himalaya"/>
+        <a:font script="Thaa" typeface="MV Boli"/>
+        <a:font script="Deva" typeface="Mangal"/>
+        <a:font script="Telu" typeface="Gautami"/>
+        <a:font script="Taml" typeface="Latha"/>
+        <a:font script="Syrc" typeface="Estrangelo Edessa"/>
+        <a:font script="Orya" typeface="Kalinga"/>
+        <a:font script="Mlym" typeface="Kartika"/>
+        <a:font script="Laoo" typeface="DokChampa"/>
+        <a:font script="Sinh" typeface="Iskoola Pota"/>
+        <a:font script="Mong" typeface="Mongolian Baiti"/>
+        <a:font script="Viet" typeface="Times New Roman"/>
+        <a:font script="Uigh" typeface="Microsoft Uighur"/>
+        <a:font script="Geor" typeface="Sylfaen"/>
+        <a:font script="Armn" typeface="Arial"/>
+        <a:font script="Bugi" typeface="Leelawadee UI"/>
+        <a:font script="Bopo" typeface="Microsoft JhengHei"/>
+        <a:font script="Java" typeface="Javanese Text"/>
+        <a:font script="Lisu" typeface="Segoe UI"/>
+        <a:font script="Mymr" typeface="Myanmar Text"/>
+        <a:font script="Nkoo" typeface="Ebrima"/>
+        <a:font script="Olck" typeface="Nirmala UI"/>
+        <a:font script="Osma" typeface="Ebrima"/>
+        <a:font script="Phag" typeface="Phagspa"/>
+        <a:font script="Syrn" typeface="Estrangelo Edessa"/>
+        <a:font script="Syrj" typeface="Estrangelo Edessa"/>
+        <a:font script="Syre" typeface="Estrangelo Edessa"/>
+        <a:font script="Sora" typeface="Nirmala UI"/>
+        <a:font script="Tale" typeface="Microsoft Tai Le"/>
+        <a:font script="Talu" typeface="Microsoft New Tai Lue"/>
+        <a:font script="Tfng" typeface="Ebrima"/>
+      </a:majorFont>
+      <a:minorFont>
+        <a:latin typeface="Calibri" panose="020F0502020204030204"/>
+        <a:ea typeface=""/>
+        <a:cs typeface=""/>
+        <a:font script="Jpan" typeface="游ゴシック"/>
+        <a:font script="Hang" typeface="맑은 고딕"/>
+        <a:font script="Hans" typeface="等线"/>
+        <a:font script="Hant" typeface="新細明體"/>
+        <a:font script="Arab" typeface="Arial"/>
+        <a:font script="Hebr" typeface="Arial"/>
+        <a:font script="Thai" typeface="Cordia New"/>
+        <a:font script="Ethi" typeface="Nyala"/>
+        <a:font script="Beng" typeface="Vrinda"/>
+        <a:font script="Gujr" typeface="Shruti"/>
+        <a:font script="Khmr" typeface="DaunPenh"/>
+        <a:font script="Knda" typeface="Tunga"/>
+        <a:font script="Guru" typeface="Raavi"/>
+        <a:font script="Cans" typeface="Euphemia"/>
+        <a:font script="Cher" typeface="Plantagenet Cherokee"/>
+        <a:font script="Yiii" typeface="Microsoft Yi Baiti"/>
+        <a:font script="Tibt" typeface="Microsoft Himalaya"/>
+        <a:font script="Thaa" typeface="MV Boli"/>
+        <a:font script="Deva" typeface="Mangal"/>
+        <a:font script="Telu" typeface="Gautami"/>
+        <a:font script="Taml" typeface="Latha"/>
+        <a:font script="Syrc" typeface="Estrangelo Edessa"/>
+        <a:font script="Orya" typeface="Kalinga"/>
+        <a:font script="Mlym" typeface="Kartika"/>
+        <a:font script="Laoo" typeface="DokChampa"/>
+        <a:font script="Sinh" typeface="Iskoola Pota"/>
+        <a:font script="Mong" typeface="Mongolian Baiti"/>
+        <a:font script="Viet" typeface="Arial"/>
+        <a:font script="Uigh" typeface="Microsoft Uighur"/>
+        <a:font script="Geor" typeface="Sylfaen"/>
+        <a:font script="Armn" typeface="Arial"/>
+        <a:font script="Bugi" typeface="Leelawadee UI"/>
+        <a:font script="Bopo" typeface="Microsoft JhengHei"/>
+        <a:font script="Java" typeface="Javanese Text"/>
+        <a:font script="Lisu" typeface="Segoe UI"/>
+        <a:font script="Mymr" typeface="Myanmar Text"/>
+        <a:font script="Nkoo" typeface="Ebrima"/>
+        <a:font script="Olck" typeface="Nirmala UI"/>
+        <a:font script="Osma" typeface="Ebrima"/>
+        <a:font script="Phag" typeface="Phagspa"/>
+        <a:font script="Syrn" typeface="Estrangelo Edessa"/>
+        <a:font script="Syrj" typeface="Estrangelo Edessa"/>
+        <a:font script="Syre" typeface="Estrangelo Edessa"/>
+        <a:font script="Sora" typeface="Nirmala UI"/>
+        <a:font script="Tale" typeface="Microsoft Tai Le"/>
+        <a:font script="Talu" typeface="Microsoft New Tai Lue"/>
+        <a:font script="Tfng" typeface="Ebrima"/>
+      </a:minorFont>
+    </a:fontScheme>
+    <a:fmtScheme name="Office">
+      <a:fillStyleLst>
+        <a:solidFill>
+          <a:schemeClr val="phClr"/>
+        </a:solidFill>
+        <a:gradFill rotWithShape="1">
+          <a:gsLst>
+            <a:gs pos="0">
+              <a:schemeClr val="phClr">
+                <a:lumMod val="110000"/>
+                <a:satMod val="105000"/>
+                <a:tint val="67000"/>
+              </a:schemeClr>
+            </a:gs>
+            <a:gs pos="50000">
+              <a:schemeClr val="phClr">
+                <a:lumMod val="105000"/>
+                <a:satMod val="103000"/>
+                <a:tint val="73000"/>
+              </a:schemeClr>
+            </a:gs>
+            <a:gs pos="100000">
+              <a:schemeClr val="phClr">
+                <a:lumMod val="105000"/>
+                <a:satMod val="109000"/>
+                <a:tint val="81000"/>
+              </a:schemeClr>
+            </a:gs>
+          </a:gsLst>
+          <a:lin ang="5400000" scaled="0"/>
+        </a:gradFill>
+        <a:gradFill rotWithShape="1">
+          <a:gsLst>
+            <a:gs pos="0">
+              <a:schemeClr val="phClr">
+                <a:satMod val="103000"/>
+                <a:lumMod val="102000"/>
+                <a:tint val="94000"/>
+              </a:schemeClr>
+            </a:gs>
+            <a:gs pos="50000">
+              <a:schemeClr val="phClr">
+                <a:satMod val="110000"/>
+                <a:lumMod val="100000"/>
+                <a:shade val="100000"/>
+              </a:schemeClr>
+            </a:gs>
+            <a:gs pos="100000">
+              <a:schemeClr val="phClr">
+                <a:lumMod val="99000"/>
+                <a:satMod val="120000"/>
+                <a:shade val="78000"/>
+              </a:schemeClr>
+            </a:gs>
+          </a:gsLst>
+          <a:lin ang="5400000" scaled="0"/>
+        </a:gradFill>
+      </a:fillStyleLst>
+      <a:lnStyleLst>
+        <a:ln w="6350" cap="flat" cmpd="sng" algn="ctr">
+          <a:solidFill>
+            <a:schemeClr val="phClr"/>
+          </a:solidFill>
+          <a:prstDash val="solid"/>
+          <a:miter lim="800000"/>
+        </a:ln>
+        <a:ln w="12700" cap="flat" cmpd="sng" algn="ctr">
+          <a:solidFill>
+            <a:schemeClr val="phClr"/>
+          </a:solidFill>
+          <a:prstDash val="solid"/>
+          <a:miter lim="800000"/>
+        </a:ln>
+        <a:ln w="19050" cap="flat" cmpd="sng" algn="ctr">
+          <a:solidFill>
+            <a:schemeClr val="phClr"/>
+          </a:solidFill>
+          <a:prstDash val="solid"/>
+          <a:miter lim="800000"/>
+        </a:ln>
+      </a:lnStyleLst>
+      <a:effectStyleLst>
+        <a:effectStyle>
+          <a:effectLst/>
+        </a:effectStyle>
+        <a:effectStyle>
+          <a:effectLst/>
+        </a:effectStyle>
+        <a:effectStyle>
+          <a:effectLst>
+            <a:outerShdw blurRad="57150" dist="19050" dir="5400000" algn="ctr" rotWithShape="0">
+              <a:srgbClr val="000000">
+                <a:alpha val="63000"/>
+              </a:srgbClr>
+            </a:outerShdw>
+          </a:effectLst>
+        </a:effectStyle>
+      </a:effectStyleLst>
+      <a:bgFillStyleLst>
+        <a:solidFill>
+          <a:schemeClr val="phClr"/>
+        </a:solidFill>
+        <a:solidFill>
+          <a:schemeClr val="phClr">
+            <a:tint val="95000"/>
+            <a:satMod val="170000"/>
+          </a:schemeClr>
+        </a:solidFill>
+        <a:gradFill rotWithShape="1">
+          <a:gsLst>
+            <a:gs pos="0">
+              <a:schemeClr val="phClr">
+                <a:tint val="93000"/>
+                <a:satMod val="150000"/>
+                <a:shade val="98000"/>
+                <a:lumMod val="102000"/>
+              </a:schemeClr>
+            </a:gs>
+            <a:gs pos="50000">
+              <a:schemeClr val="phClr">
+                <a:tint val="98000"/>
+                <a:satMod val="130000"/>
+                <a:shade val="90000"/>
+                <a:lumMod val="103000"/>
+              </a:schemeClr>
+            </a:gs>
+            <a:gs pos="100000">
+              <a:schemeClr val="phClr">
+                <a:shade val="63000"/>
+                <a:satMod val="120000"/>
+              </a:schemeClr>
+            </a:gs>
+          </a:gsLst>
+          <a:lin ang="5400000" scaled="0"/>
+        </a:gradFill>
+      </a:bgFillStyleLst>
+    </a:fmtScheme>
+  </a:themeElements>
+  <a:objectDefaults/>
+  <a:extraClrSchemeLst/>
+  <a:extLst>
+    <a:ext uri="{05A4C25C-085E-4340-85A3-A5531E510DB2}">
+      <thm15:themeFamily xmlns:thm15="http://schemas.microsoft.com/office/thememl/2012/main" name="Office Theme" id="{62F939B6-93AF-4DB8-9C6B-D6C7DFDC589F}" vid="{4A3C46E8-61CC-4603-A589-7422A47A8E4A}"/>
+    </a:ext>
+  </a:extLst>
+</a:theme>
 </file>